--- a/Typescript Presentation.pptx
+++ b/Typescript Presentation.pptx
@@ -26,6 +26,14 @@
     <p:sldId id="271" r:id="rId20"/>
     <p:sldId id="272" r:id="rId21"/>
     <p:sldId id="273" r:id="rId22"/>
+    <p:sldId id="277" r:id="rId23"/>
+    <p:sldId id="278" r:id="rId24"/>
+    <p:sldId id="279" r:id="rId25"/>
+    <p:sldId id="280" r:id="rId26"/>
+    <p:sldId id="281" r:id="rId27"/>
+    <p:sldId id="282" r:id="rId28"/>
+    <p:sldId id="283" r:id="rId29"/>
+    <p:sldId id="284" r:id="rId30"/>
   </p:sldIdLst>
   <p:sldSz cx="12192000" cy="6858000"/>
   <p:notesSz cx="6858000" cy="9144000"/>
@@ -13023,7 +13031,11 @@
           <a:p>
             <a:r>
               <a:rPr lang="en-IN" b="1" dirty="0" smtClean="0"/>
-              <a:t>4 classes</a:t>
+              <a:t>4.1 </a:t>
+            </a:r>
+            <a:r>
+              <a:rPr lang="en-IN" b="1" dirty="0" smtClean="0"/>
+              <a:t>classes</a:t>
             </a:r>
             <a:endParaRPr lang="en-IN" b="1" dirty="0"/>
           </a:p>
@@ -16987,6 +16999,5058 @@
     <p:extLst>
       <p:ext uri="{BB962C8B-B14F-4D97-AF65-F5344CB8AC3E}">
         <p14:creationId xmlns:p14="http://schemas.microsoft.com/office/powerpoint/2010/main" val="1610528695"/>
+      </p:ext>
+    </p:extLst>
+  </p:cSld>
+  <p:clrMapOvr>
+    <a:masterClrMapping/>
+  </p:clrMapOvr>
+  <p:timing>
+    <p:tnLst>
+      <p:par>
+        <p:cTn id="1" dur="indefinite" restart="never" nodeType="tmRoot"/>
+      </p:par>
+    </p:tnLst>
+  </p:timing>
+</p:sld>
+</file>
+
+<file path=ppt/slides/slide22.xml><?xml version="1.0" encoding="utf-8"?>
+<p:sld xmlns:a="http://schemas.openxmlformats.org/drawingml/2006/main" xmlns:r="http://schemas.openxmlformats.org/officeDocument/2006/relationships" xmlns:p="http://schemas.openxmlformats.org/presentationml/2006/main">
+  <p:cSld>
+    <p:spTree>
+      <p:nvGrpSpPr>
+        <p:cNvPr id="1" name=""/>
+        <p:cNvGrpSpPr/>
+        <p:nvPr/>
+      </p:nvGrpSpPr>
+      <p:grpSpPr>
+        <a:xfrm>
+          <a:off x="0" y="0"/>
+          <a:ext cx="0" cy="0"/>
+          <a:chOff x="0" y="0"/>
+          <a:chExt cx="0" cy="0"/>
+        </a:xfrm>
+      </p:grpSpPr>
+      <p:sp>
+        <p:nvSpPr>
+          <p:cNvPr id="4" name="Title 3"/>
+          <p:cNvSpPr>
+            <a:spLocks noGrp="1"/>
+          </p:cNvSpPr>
+          <p:nvPr>
+            <p:ph type="title"/>
+          </p:nvPr>
+        </p:nvSpPr>
+        <p:spPr>
+          <a:xfrm>
+            <a:off x="1022935" y="1264023"/>
+            <a:ext cx="10146186" cy="705077"/>
+          </a:xfrm>
+        </p:spPr>
+        <p:txBody>
+          <a:bodyPr/>
+          <a:lstStyle/>
+          <a:p>
+            <a:r>
+              <a:rPr lang="en-IN" b="1" dirty="0" smtClean="0"/>
+              <a:t>Chapter </a:t>
+            </a:r>
+            <a:r>
+              <a:rPr lang="en-IN" b="1" dirty="0" smtClean="0"/>
+              <a:t>5 </a:t>
+            </a:r>
+            <a:r>
+              <a:rPr lang="en-IN" b="1" dirty="0" smtClean="0"/>
+              <a:t>: </a:t>
+            </a:r>
+            <a:r>
+              <a:rPr lang="en-IN" b="1" dirty="0" smtClean="0"/>
+              <a:t>object</a:t>
+            </a:r>
+            <a:endParaRPr lang="en-IN" b="1" dirty="0"/>
+          </a:p>
+        </p:txBody>
+      </p:sp>
+      <p:sp>
+        <p:nvSpPr>
+          <p:cNvPr id="2" name="Text Placeholder 1"/>
+          <p:cNvSpPr>
+            <a:spLocks noGrp="1"/>
+          </p:cNvSpPr>
+          <p:nvPr>
+            <p:ph type="body" sz="half" idx="2"/>
+          </p:nvPr>
+        </p:nvSpPr>
+        <p:spPr>
+          <a:xfrm>
+            <a:off x="1024467" y="2155691"/>
+            <a:ext cx="10144654" cy="999885"/>
+          </a:xfrm>
+        </p:spPr>
+        <p:txBody>
+          <a:bodyPr>
+            <a:noAutofit/>
+          </a:bodyPr>
+          <a:lstStyle/>
+          <a:p>
+            <a:pPr marL="285750" indent="-285750">
+              <a:buFont typeface="Wingdings" panose="05000000000000000000" pitchFamily="2" charset="2"/>
+              <a:buChar char="v"/>
+            </a:pPr>
+            <a:r>
+              <a:rPr lang="en-IN" sz="2000" dirty="0"/>
+              <a:t>An </a:t>
+            </a:r>
+            <a:r>
+              <a:rPr lang="en-IN" sz="2000" b="1" dirty="0"/>
+              <a:t>object</a:t>
+            </a:r>
+            <a:r>
+              <a:rPr lang="en-IN" sz="2000" dirty="0"/>
+              <a:t> is an instance which contains set of key value pairs. </a:t>
+            </a:r>
+            <a:endParaRPr lang="en-IN" sz="2000" dirty="0" smtClean="0"/>
+          </a:p>
+          <a:p>
+            <a:pPr marL="285750" indent="-285750">
+              <a:buFont typeface="Wingdings" panose="05000000000000000000" pitchFamily="2" charset="2"/>
+              <a:buChar char="v"/>
+            </a:pPr>
+            <a:r>
+              <a:rPr lang="en-IN" sz="2000" dirty="0" smtClean="0"/>
+              <a:t>The </a:t>
+            </a:r>
+            <a:r>
+              <a:rPr lang="en-IN" sz="2000" dirty="0"/>
+              <a:t>values can be scalar values or functions or even array of other objects.</a:t>
+            </a:r>
+            <a:endParaRPr lang="en-IN" sz="2000" dirty="0"/>
+          </a:p>
+        </p:txBody>
+      </p:sp>
+      <p:sp>
+        <p:nvSpPr>
+          <p:cNvPr id="5" name="Text Placeholder 1"/>
+          <p:cNvSpPr txBox="1">
+            <a:spLocks/>
+          </p:cNvSpPr>
+          <p:nvPr/>
+        </p:nvSpPr>
+        <p:spPr>
+          <a:xfrm>
+            <a:off x="1024467" y="3388659"/>
+            <a:ext cx="10144654" cy="1259541"/>
+          </a:xfrm>
+          <a:prstGeom prst="rect">
+            <a:avLst/>
+          </a:prstGeom>
+        </p:spPr>
+        <p:txBody>
+          <a:bodyPr vert="horz" lIns="91440" tIns="45720" rIns="91440" bIns="45720" rtlCol="0" anchor="t">
+            <a:noAutofit/>
+          </a:bodyPr>
+          <a:lstStyle>
+            <a:lvl1pPr marL="0" indent="0" algn="l" defTabSz="914400" rtl="0" eaLnBrk="1" latinLnBrk="0" hangingPunct="1">
+              <a:lnSpc>
+                <a:spcPct val="90000"/>
+              </a:lnSpc>
+              <a:spcBef>
+                <a:spcPts val="1000"/>
+              </a:spcBef>
+              <a:buFont typeface="Arial" panose="020B0604020202020204" pitchFamily="34" charset="0"/>
+              <a:buNone/>
+              <a:defRPr sz="1600" kern="1200">
+                <a:solidFill>
+                  <a:schemeClr val="tx1"/>
+                </a:solidFill>
+                <a:latin typeface="+mn-lt"/>
+                <a:ea typeface="+mn-ea"/>
+                <a:cs typeface="+mn-cs"/>
+              </a:defRPr>
+            </a:lvl1pPr>
+            <a:lvl2pPr marL="457200" indent="0" algn="l" defTabSz="914400" rtl="0" eaLnBrk="1" latinLnBrk="0" hangingPunct="1">
+              <a:lnSpc>
+                <a:spcPct val="90000"/>
+              </a:lnSpc>
+              <a:spcBef>
+                <a:spcPts val="500"/>
+              </a:spcBef>
+              <a:buFont typeface="Arial" panose="020B0604020202020204" pitchFamily="34" charset="0"/>
+              <a:buNone/>
+              <a:defRPr sz="1400" kern="1200">
+                <a:solidFill>
+                  <a:schemeClr val="tx1"/>
+                </a:solidFill>
+                <a:latin typeface="+mn-lt"/>
+                <a:ea typeface="+mn-ea"/>
+                <a:cs typeface="+mn-cs"/>
+              </a:defRPr>
+            </a:lvl2pPr>
+            <a:lvl3pPr marL="914400" indent="0" algn="l" defTabSz="914400" rtl="0" eaLnBrk="1" latinLnBrk="0" hangingPunct="1">
+              <a:lnSpc>
+                <a:spcPct val="90000"/>
+              </a:lnSpc>
+              <a:spcBef>
+                <a:spcPts val="500"/>
+              </a:spcBef>
+              <a:buFont typeface="Arial" panose="020B0604020202020204" pitchFamily="34" charset="0"/>
+              <a:buNone/>
+              <a:defRPr sz="1200" kern="1200">
+                <a:solidFill>
+                  <a:schemeClr val="tx1"/>
+                </a:solidFill>
+                <a:latin typeface="+mn-lt"/>
+                <a:ea typeface="+mn-ea"/>
+                <a:cs typeface="+mn-cs"/>
+              </a:defRPr>
+            </a:lvl3pPr>
+            <a:lvl4pPr marL="1371600" indent="0" algn="l" defTabSz="914400" rtl="0" eaLnBrk="1" latinLnBrk="0" hangingPunct="1">
+              <a:lnSpc>
+                <a:spcPct val="90000"/>
+              </a:lnSpc>
+              <a:spcBef>
+                <a:spcPts val="500"/>
+              </a:spcBef>
+              <a:buFont typeface="Arial" panose="020B0604020202020204" pitchFamily="34" charset="0"/>
+              <a:buNone/>
+              <a:defRPr sz="1000" kern="1200">
+                <a:solidFill>
+                  <a:schemeClr val="tx1"/>
+                </a:solidFill>
+                <a:latin typeface="+mn-lt"/>
+                <a:ea typeface="+mn-ea"/>
+                <a:cs typeface="+mn-cs"/>
+              </a:defRPr>
+            </a:lvl4pPr>
+            <a:lvl5pPr marL="1828800" indent="0" algn="l" defTabSz="914400" rtl="0" eaLnBrk="1" latinLnBrk="0" hangingPunct="1">
+              <a:lnSpc>
+                <a:spcPct val="90000"/>
+              </a:lnSpc>
+              <a:spcBef>
+                <a:spcPts val="500"/>
+              </a:spcBef>
+              <a:buFont typeface="Arial" panose="020B0604020202020204" pitchFamily="34" charset="0"/>
+              <a:buNone/>
+              <a:defRPr sz="1000" kern="1200">
+                <a:solidFill>
+                  <a:schemeClr val="tx1"/>
+                </a:solidFill>
+                <a:latin typeface="+mn-lt"/>
+                <a:ea typeface="+mn-ea"/>
+                <a:cs typeface="+mn-cs"/>
+              </a:defRPr>
+            </a:lvl5pPr>
+            <a:lvl6pPr marL="2286000" indent="0" algn="l" defTabSz="914400" rtl="0" eaLnBrk="1" latinLnBrk="0" hangingPunct="1">
+              <a:lnSpc>
+                <a:spcPct val="90000"/>
+              </a:lnSpc>
+              <a:spcBef>
+                <a:spcPts val="500"/>
+              </a:spcBef>
+              <a:buFont typeface="Arial" panose="020B0604020202020204" pitchFamily="34" charset="0"/>
+              <a:buNone/>
+              <a:defRPr sz="1000" kern="1200">
+                <a:solidFill>
+                  <a:schemeClr val="tx1"/>
+                </a:solidFill>
+                <a:latin typeface="+mn-lt"/>
+                <a:ea typeface="+mn-ea"/>
+                <a:cs typeface="+mn-cs"/>
+              </a:defRPr>
+            </a:lvl6pPr>
+            <a:lvl7pPr marL="2743200" indent="0" algn="l" defTabSz="914400" rtl="0" eaLnBrk="1" latinLnBrk="0" hangingPunct="1">
+              <a:lnSpc>
+                <a:spcPct val="90000"/>
+              </a:lnSpc>
+              <a:spcBef>
+                <a:spcPts val="500"/>
+              </a:spcBef>
+              <a:buFont typeface="Arial" panose="020B0604020202020204" pitchFamily="34" charset="0"/>
+              <a:buNone/>
+              <a:defRPr sz="1000" kern="1200">
+                <a:solidFill>
+                  <a:schemeClr val="tx1"/>
+                </a:solidFill>
+                <a:latin typeface="+mn-lt"/>
+                <a:ea typeface="+mn-ea"/>
+                <a:cs typeface="+mn-cs"/>
+              </a:defRPr>
+            </a:lvl7pPr>
+            <a:lvl8pPr marL="3200400" indent="0" algn="l" defTabSz="914400" rtl="0" eaLnBrk="1" latinLnBrk="0" hangingPunct="1">
+              <a:lnSpc>
+                <a:spcPct val="90000"/>
+              </a:lnSpc>
+              <a:spcBef>
+                <a:spcPts val="500"/>
+              </a:spcBef>
+              <a:buFont typeface="Arial" panose="020B0604020202020204" pitchFamily="34" charset="0"/>
+              <a:buNone/>
+              <a:defRPr sz="1000" kern="1200">
+                <a:solidFill>
+                  <a:schemeClr val="tx1"/>
+                </a:solidFill>
+                <a:latin typeface="+mn-lt"/>
+                <a:ea typeface="+mn-ea"/>
+                <a:cs typeface="+mn-cs"/>
+              </a:defRPr>
+            </a:lvl8pPr>
+            <a:lvl9pPr marL="3657600" indent="0" algn="l" defTabSz="914400" rtl="0" eaLnBrk="1" latinLnBrk="0" hangingPunct="1">
+              <a:lnSpc>
+                <a:spcPct val="90000"/>
+              </a:lnSpc>
+              <a:spcBef>
+                <a:spcPts val="500"/>
+              </a:spcBef>
+              <a:buFont typeface="Arial" panose="020B0604020202020204" pitchFamily="34" charset="0"/>
+              <a:buNone/>
+              <a:defRPr sz="1000" kern="1200">
+                <a:solidFill>
+                  <a:schemeClr val="tx1"/>
+                </a:solidFill>
+                <a:latin typeface="+mn-lt"/>
+                <a:ea typeface="+mn-ea"/>
+                <a:cs typeface="+mn-cs"/>
+              </a:defRPr>
+            </a:lvl9pPr>
+          </a:lstStyle>
+          <a:p>
+            <a:r>
+              <a:rPr lang="en-IN" dirty="0" smtClean="0"/>
+              <a:t>5.1 : Object Notation</a:t>
+            </a:r>
+          </a:p>
+          <a:p>
+            <a:r>
+              <a:rPr lang="en-IN" dirty="0" smtClean="0"/>
+              <a:t>5.2 : Object as function parameter</a:t>
+            </a:r>
+          </a:p>
+          <a:p>
+            <a:r>
+              <a:rPr lang="en-IN" dirty="0" smtClean="0"/>
+              <a:t>5.3 : Anonymous Object </a:t>
+            </a:r>
+            <a:endParaRPr lang="en-IN" dirty="0"/>
+          </a:p>
+        </p:txBody>
+      </p:sp>
+    </p:spTree>
+    <p:extLst>
+      <p:ext uri="{BB962C8B-B14F-4D97-AF65-F5344CB8AC3E}">
+        <p14:creationId xmlns:p14="http://schemas.microsoft.com/office/powerpoint/2010/main" val="901089335"/>
+      </p:ext>
+    </p:extLst>
+  </p:cSld>
+  <p:clrMapOvr>
+    <a:masterClrMapping/>
+  </p:clrMapOvr>
+  <p:timing>
+    <p:tnLst>
+      <p:par>
+        <p:cTn id="1" dur="indefinite" restart="never" nodeType="tmRoot"/>
+      </p:par>
+    </p:tnLst>
+  </p:timing>
+</p:sld>
+</file>
+
+<file path=ppt/slides/slide23.xml><?xml version="1.0" encoding="utf-8"?>
+<p:sld xmlns:a="http://schemas.openxmlformats.org/drawingml/2006/main" xmlns:r="http://schemas.openxmlformats.org/officeDocument/2006/relationships" xmlns:p="http://schemas.openxmlformats.org/presentationml/2006/main">
+  <p:cSld>
+    <p:spTree>
+      <p:nvGrpSpPr>
+        <p:cNvPr id="1" name=""/>
+        <p:cNvGrpSpPr/>
+        <p:nvPr/>
+      </p:nvGrpSpPr>
+      <p:grpSpPr>
+        <a:xfrm>
+          <a:off x="0" y="0"/>
+          <a:ext cx="0" cy="0"/>
+          <a:chOff x="0" y="0"/>
+          <a:chExt cx="0" cy="0"/>
+        </a:xfrm>
+      </p:grpSpPr>
+      <p:sp>
+        <p:nvSpPr>
+          <p:cNvPr id="2" name="Title 1"/>
+          <p:cNvSpPr>
+            <a:spLocks noGrp="1"/>
+          </p:cNvSpPr>
+          <p:nvPr>
+            <p:ph type="title"/>
+          </p:nvPr>
+        </p:nvSpPr>
+        <p:spPr/>
+        <p:txBody>
+          <a:bodyPr/>
+          <a:lstStyle/>
+          <a:p>
+            <a:r>
+              <a:rPr lang="en-IN" b="1" dirty="0"/>
+              <a:t>5</a:t>
+            </a:r>
+            <a:r>
+              <a:rPr lang="en-IN" b="1" dirty="0" smtClean="0"/>
+              <a:t>.1 object Notation</a:t>
+            </a:r>
+            <a:endParaRPr lang="en-IN" b="1" dirty="0"/>
+          </a:p>
+        </p:txBody>
+      </p:sp>
+      <p:sp>
+        <p:nvSpPr>
+          <p:cNvPr id="9" name="Rectangle 8"/>
+          <p:cNvSpPr/>
+          <p:nvPr/>
+        </p:nvSpPr>
+        <p:spPr>
+          <a:xfrm>
+            <a:off x="439272" y="1707777"/>
+            <a:ext cx="3648634" cy="2062103"/>
+          </a:xfrm>
+          <a:prstGeom prst="rect">
+            <a:avLst/>
+          </a:prstGeom>
+          <a:solidFill>
+            <a:srgbClr val="002060"/>
+          </a:solidFill>
+        </p:spPr>
+        <p:txBody>
+          <a:bodyPr wrap="square">
+            <a:spAutoFit/>
+          </a:bodyPr>
+          <a:lstStyle/>
+          <a:p>
+            <a:r>
+              <a:rPr lang="en-IN" sz="1600" dirty="0" smtClean="0">
+                <a:solidFill>
+                  <a:srgbClr val="6A9955"/>
+                </a:solidFill>
+                <a:latin typeface="Consolas" panose="020B0609020204030204" pitchFamily="49" charset="0"/>
+              </a:rPr>
+              <a:t>//object contains property</a:t>
+            </a:r>
+            <a:endParaRPr lang="en-IN" sz="1600" dirty="0" smtClean="0">
+              <a:solidFill>
+                <a:srgbClr val="569CD6"/>
+              </a:solidFill>
+              <a:latin typeface="Consolas" panose="020B0609020204030204" pitchFamily="49" charset="0"/>
+            </a:endParaRPr>
+          </a:p>
+          <a:p>
+            <a:r>
+              <a:rPr lang="en-IN" sz="1600" dirty="0" err="1" smtClean="0">
+                <a:solidFill>
+                  <a:srgbClr val="569CD6"/>
+                </a:solidFill>
+                <a:latin typeface="Consolas" panose="020B0609020204030204" pitchFamily="49" charset="0"/>
+              </a:rPr>
+              <a:t>var</a:t>
+            </a:r>
+            <a:r>
+              <a:rPr lang="en-IN" sz="1600" dirty="0" smtClean="0">
+                <a:solidFill>
+                  <a:srgbClr val="D4D4D4"/>
+                </a:solidFill>
+                <a:latin typeface="Consolas" panose="020B0609020204030204" pitchFamily="49" charset="0"/>
+              </a:rPr>
+              <a:t> </a:t>
+            </a:r>
+            <a:r>
+              <a:rPr lang="en-IN" sz="1600" dirty="0">
+                <a:solidFill>
+                  <a:srgbClr val="9CDCFE"/>
+                </a:solidFill>
+                <a:latin typeface="Consolas" panose="020B0609020204030204" pitchFamily="49" charset="0"/>
+              </a:rPr>
+              <a:t>person</a:t>
+            </a:r>
+            <a:r>
+              <a:rPr lang="en-IN" sz="1600" dirty="0">
+                <a:solidFill>
+                  <a:srgbClr val="D4D4D4"/>
+                </a:solidFill>
+                <a:latin typeface="Consolas" panose="020B0609020204030204" pitchFamily="49" charset="0"/>
+              </a:rPr>
+              <a:t> = {</a:t>
+            </a:r>
+          </a:p>
+          <a:p>
+            <a:r>
+              <a:rPr lang="en-IN" sz="1600" dirty="0" err="1">
+                <a:solidFill>
+                  <a:srgbClr val="9CDCFE"/>
+                </a:solidFill>
+                <a:latin typeface="Consolas" panose="020B0609020204030204" pitchFamily="49" charset="0"/>
+              </a:rPr>
+              <a:t>firstName</a:t>
+            </a:r>
+            <a:r>
+              <a:rPr lang="en-IN" sz="1600" dirty="0">
+                <a:solidFill>
+                  <a:srgbClr val="9CDCFE"/>
+                </a:solidFill>
+                <a:latin typeface="Consolas" panose="020B0609020204030204" pitchFamily="49" charset="0"/>
+              </a:rPr>
+              <a:t> :</a:t>
+            </a:r>
+            <a:r>
+              <a:rPr lang="en-IN" sz="1600" dirty="0">
+                <a:solidFill>
+                  <a:srgbClr val="D4D4D4"/>
+                </a:solidFill>
+                <a:latin typeface="Consolas" panose="020B0609020204030204" pitchFamily="49" charset="0"/>
+              </a:rPr>
+              <a:t> </a:t>
+            </a:r>
+            <a:r>
+              <a:rPr lang="en-IN" sz="1600" dirty="0">
+                <a:solidFill>
+                  <a:srgbClr val="CE9178"/>
+                </a:solidFill>
+                <a:latin typeface="Consolas" panose="020B0609020204030204" pitchFamily="49" charset="0"/>
+              </a:rPr>
+              <a:t>"Monicka"</a:t>
+            </a:r>
+            <a:r>
+              <a:rPr lang="en-IN" sz="1600" dirty="0">
+                <a:solidFill>
+                  <a:srgbClr val="D4D4D4"/>
+                </a:solidFill>
+                <a:latin typeface="Consolas" panose="020B0609020204030204" pitchFamily="49" charset="0"/>
+              </a:rPr>
+              <a:t>,</a:t>
+            </a:r>
+          </a:p>
+          <a:p>
+            <a:r>
+              <a:rPr lang="en-IN" sz="1600" dirty="0" err="1">
+                <a:solidFill>
+                  <a:srgbClr val="9CDCFE"/>
+                </a:solidFill>
+                <a:latin typeface="Consolas" panose="020B0609020204030204" pitchFamily="49" charset="0"/>
+              </a:rPr>
+              <a:t>lastName</a:t>
+            </a:r>
+            <a:r>
+              <a:rPr lang="en-IN" sz="1600" dirty="0">
+                <a:solidFill>
+                  <a:srgbClr val="9CDCFE"/>
+                </a:solidFill>
+                <a:latin typeface="Consolas" panose="020B0609020204030204" pitchFamily="49" charset="0"/>
+              </a:rPr>
+              <a:t>:</a:t>
+            </a:r>
+            <a:r>
+              <a:rPr lang="en-IN" sz="1600" dirty="0">
+                <a:solidFill>
+                  <a:srgbClr val="D4D4D4"/>
+                </a:solidFill>
+                <a:latin typeface="Consolas" panose="020B0609020204030204" pitchFamily="49" charset="0"/>
+              </a:rPr>
+              <a:t> </a:t>
+            </a:r>
+            <a:r>
+              <a:rPr lang="en-IN" sz="1600" dirty="0">
+                <a:solidFill>
+                  <a:srgbClr val="CE9178"/>
+                </a:solidFill>
+                <a:latin typeface="Consolas" panose="020B0609020204030204" pitchFamily="49" charset="0"/>
+              </a:rPr>
+              <a:t>"Akilan"</a:t>
+            </a:r>
+            <a:endParaRPr lang="en-IN" sz="1600" dirty="0">
+              <a:solidFill>
+                <a:srgbClr val="D4D4D4"/>
+              </a:solidFill>
+              <a:latin typeface="Consolas" panose="020B0609020204030204" pitchFamily="49" charset="0"/>
+            </a:endParaRPr>
+          </a:p>
+          <a:p>
+            <a:r>
+              <a:rPr lang="en-IN" sz="1600" dirty="0">
+                <a:solidFill>
+                  <a:srgbClr val="D4D4D4"/>
+                </a:solidFill>
+                <a:latin typeface="Consolas" panose="020B0609020204030204" pitchFamily="49" charset="0"/>
+              </a:rPr>
+              <a:t>}</a:t>
+            </a:r>
+          </a:p>
+          <a:p>
+            <a:r>
+              <a:rPr lang="en-IN" sz="1600" dirty="0">
+                <a:solidFill>
+                  <a:srgbClr val="D4D4D4"/>
+                </a:solidFill>
+                <a:latin typeface="Consolas" panose="020B0609020204030204" pitchFamily="49" charset="0"/>
+              </a:rPr>
+              <a:t/>
+            </a:r>
+            <a:br>
+              <a:rPr lang="en-IN" sz="1600" dirty="0">
+                <a:solidFill>
+                  <a:srgbClr val="D4D4D4"/>
+                </a:solidFill>
+                <a:latin typeface="Consolas" panose="020B0609020204030204" pitchFamily="49" charset="0"/>
+              </a:rPr>
+            </a:br>
+            <a:r>
+              <a:rPr lang="en-IN" sz="1600" dirty="0">
+                <a:solidFill>
+                  <a:srgbClr val="4EC9B0"/>
+                </a:solidFill>
+                <a:latin typeface="Consolas" panose="020B0609020204030204" pitchFamily="49" charset="0"/>
+              </a:rPr>
+              <a:t>console</a:t>
+            </a:r>
+            <a:r>
+              <a:rPr lang="en-IN" sz="1600" dirty="0">
+                <a:solidFill>
+                  <a:srgbClr val="D4D4D4"/>
+                </a:solidFill>
+                <a:latin typeface="Consolas" panose="020B0609020204030204" pitchFamily="49" charset="0"/>
+              </a:rPr>
+              <a:t>.</a:t>
+            </a:r>
+            <a:r>
+              <a:rPr lang="en-IN" sz="1600" dirty="0">
+                <a:solidFill>
+                  <a:srgbClr val="DCDCAA"/>
+                </a:solidFill>
+                <a:latin typeface="Consolas" panose="020B0609020204030204" pitchFamily="49" charset="0"/>
+              </a:rPr>
+              <a:t>log</a:t>
+            </a:r>
+            <a:r>
+              <a:rPr lang="en-IN" sz="1600" dirty="0">
+                <a:solidFill>
+                  <a:srgbClr val="D4D4D4"/>
+                </a:solidFill>
+                <a:latin typeface="Consolas" panose="020B0609020204030204" pitchFamily="49" charset="0"/>
+              </a:rPr>
+              <a:t>(</a:t>
+            </a:r>
+            <a:r>
+              <a:rPr lang="en-IN" sz="1600" dirty="0" err="1">
+                <a:solidFill>
+                  <a:srgbClr val="9CDCFE"/>
+                </a:solidFill>
+                <a:latin typeface="Consolas" panose="020B0609020204030204" pitchFamily="49" charset="0"/>
+              </a:rPr>
+              <a:t>person</a:t>
+            </a:r>
+            <a:r>
+              <a:rPr lang="en-IN" sz="1600" dirty="0" err="1">
+                <a:solidFill>
+                  <a:srgbClr val="D4D4D4"/>
+                </a:solidFill>
+                <a:latin typeface="Consolas" panose="020B0609020204030204" pitchFamily="49" charset="0"/>
+              </a:rPr>
+              <a:t>.</a:t>
+            </a:r>
+            <a:r>
+              <a:rPr lang="en-IN" sz="1600" dirty="0" err="1">
+                <a:solidFill>
+                  <a:srgbClr val="9CDCFE"/>
+                </a:solidFill>
+                <a:latin typeface="Consolas" panose="020B0609020204030204" pitchFamily="49" charset="0"/>
+              </a:rPr>
+              <a:t>firstName</a:t>
+            </a:r>
+            <a:r>
+              <a:rPr lang="en-IN" sz="1600" dirty="0">
+                <a:solidFill>
+                  <a:srgbClr val="D4D4D4"/>
+                </a:solidFill>
+                <a:latin typeface="Consolas" panose="020B0609020204030204" pitchFamily="49" charset="0"/>
+              </a:rPr>
+              <a:t>);</a:t>
+            </a:r>
+          </a:p>
+          <a:p>
+            <a:r>
+              <a:rPr lang="en-IN" sz="1600" dirty="0">
+                <a:solidFill>
+                  <a:srgbClr val="4EC9B0"/>
+                </a:solidFill>
+                <a:latin typeface="Consolas" panose="020B0609020204030204" pitchFamily="49" charset="0"/>
+              </a:rPr>
+              <a:t>console</a:t>
+            </a:r>
+            <a:r>
+              <a:rPr lang="en-IN" sz="1600" dirty="0">
+                <a:solidFill>
+                  <a:srgbClr val="D4D4D4"/>
+                </a:solidFill>
+                <a:latin typeface="Consolas" panose="020B0609020204030204" pitchFamily="49" charset="0"/>
+              </a:rPr>
+              <a:t>.</a:t>
+            </a:r>
+            <a:r>
+              <a:rPr lang="en-IN" sz="1600" dirty="0">
+                <a:solidFill>
+                  <a:srgbClr val="DCDCAA"/>
+                </a:solidFill>
+                <a:latin typeface="Consolas" panose="020B0609020204030204" pitchFamily="49" charset="0"/>
+              </a:rPr>
+              <a:t>log</a:t>
+            </a:r>
+            <a:r>
+              <a:rPr lang="en-IN" sz="1600" dirty="0">
+                <a:solidFill>
+                  <a:srgbClr val="D4D4D4"/>
+                </a:solidFill>
+                <a:latin typeface="Consolas" panose="020B0609020204030204" pitchFamily="49" charset="0"/>
+              </a:rPr>
+              <a:t>(</a:t>
+            </a:r>
+            <a:r>
+              <a:rPr lang="en-IN" sz="1600" dirty="0" err="1">
+                <a:solidFill>
+                  <a:srgbClr val="9CDCFE"/>
+                </a:solidFill>
+                <a:latin typeface="Consolas" panose="020B0609020204030204" pitchFamily="49" charset="0"/>
+              </a:rPr>
+              <a:t>person</a:t>
+            </a:r>
+            <a:r>
+              <a:rPr lang="en-IN" sz="1600" dirty="0" err="1">
+                <a:solidFill>
+                  <a:srgbClr val="D4D4D4"/>
+                </a:solidFill>
+                <a:latin typeface="Consolas" panose="020B0609020204030204" pitchFamily="49" charset="0"/>
+              </a:rPr>
+              <a:t>.</a:t>
+            </a:r>
+            <a:r>
+              <a:rPr lang="en-IN" sz="1600" dirty="0" err="1">
+                <a:solidFill>
+                  <a:srgbClr val="9CDCFE"/>
+                </a:solidFill>
+                <a:latin typeface="Consolas" panose="020B0609020204030204" pitchFamily="49" charset="0"/>
+              </a:rPr>
+              <a:t>lastName</a:t>
+            </a:r>
+            <a:r>
+              <a:rPr lang="en-IN" sz="1600" dirty="0">
+                <a:solidFill>
+                  <a:srgbClr val="D4D4D4"/>
+                </a:solidFill>
+                <a:latin typeface="Consolas" panose="020B0609020204030204" pitchFamily="49" charset="0"/>
+              </a:rPr>
+              <a:t>);</a:t>
+            </a:r>
+            <a:endParaRPr lang="en-IN" sz="1600" dirty="0">
+              <a:solidFill>
+                <a:srgbClr val="D4D4D4"/>
+              </a:solidFill>
+              <a:latin typeface="Consolas" panose="020B0609020204030204" pitchFamily="49" charset="0"/>
+            </a:endParaRPr>
+          </a:p>
+        </p:txBody>
+      </p:sp>
+      <p:sp>
+        <p:nvSpPr>
+          <p:cNvPr id="7" name="Rectangle 6"/>
+          <p:cNvSpPr/>
+          <p:nvPr/>
+        </p:nvSpPr>
+        <p:spPr>
+          <a:xfrm>
+            <a:off x="4352367" y="1800109"/>
+            <a:ext cx="5168152" cy="1077218"/>
+          </a:xfrm>
+          <a:prstGeom prst="rect">
+            <a:avLst/>
+          </a:prstGeom>
+          <a:solidFill>
+            <a:schemeClr val="accent2">
+              <a:lumMod val="20000"/>
+              <a:lumOff val="80000"/>
+            </a:schemeClr>
+          </a:solidFill>
+        </p:spPr>
+        <p:txBody>
+          <a:bodyPr wrap="square">
+            <a:spAutoFit/>
+          </a:bodyPr>
+          <a:lstStyle/>
+          <a:p>
+            <a:r>
+              <a:rPr lang="en-IN" sz="1600" dirty="0"/>
+              <a:t>PS D:\Angular\Typescript\TS_WK&gt; </a:t>
+            </a:r>
+            <a:r>
+              <a:rPr lang="en-IN" sz="1600" dirty="0" err="1"/>
+              <a:t>tsc</a:t>
+            </a:r>
+            <a:r>
+              <a:rPr lang="en-IN" sz="1600" dirty="0"/>
+              <a:t> </a:t>
+            </a:r>
+            <a:r>
+              <a:rPr lang="en-IN" sz="1600" dirty="0" err="1" smtClean="0"/>
+              <a:t>object</a:t>
+            </a:r>
+            <a:r>
+              <a:rPr lang="en-IN" sz="1600" dirty="0" err="1" smtClean="0"/>
+              <a:t>.ts</a:t>
+            </a:r>
+            <a:endParaRPr lang="en-IN" sz="1600" dirty="0"/>
+          </a:p>
+          <a:p>
+            <a:r>
+              <a:rPr lang="en-IN" sz="1600" dirty="0"/>
+              <a:t>PS D:\Angular\Typescript\TS_WK&gt; node </a:t>
+            </a:r>
+            <a:r>
+              <a:rPr lang="en-IN" sz="1600" dirty="0" smtClean="0"/>
+              <a:t>object</a:t>
+            </a:r>
+            <a:r>
+              <a:rPr lang="en-IN" sz="1600" dirty="0" smtClean="0"/>
+              <a:t>.js</a:t>
+            </a:r>
+            <a:endParaRPr lang="en-IN" sz="1600" dirty="0"/>
+          </a:p>
+          <a:p>
+            <a:r>
+              <a:rPr lang="en-IN" sz="1600" b="1" dirty="0"/>
+              <a:t>Monicka</a:t>
+            </a:r>
+          </a:p>
+          <a:p>
+            <a:r>
+              <a:rPr lang="en-IN" sz="1600" b="1" dirty="0"/>
+              <a:t>Akilan</a:t>
+            </a:r>
+            <a:endParaRPr lang="en-IN" sz="1600" b="1" dirty="0"/>
+          </a:p>
+        </p:txBody>
+      </p:sp>
+      <p:sp>
+        <p:nvSpPr>
+          <p:cNvPr id="5" name="Rectangle 4"/>
+          <p:cNvSpPr/>
+          <p:nvPr/>
+        </p:nvSpPr>
+        <p:spPr>
+          <a:xfrm>
+            <a:off x="3048000" y="751344"/>
+            <a:ext cx="6096000" cy="369332"/>
+          </a:xfrm>
+          <a:prstGeom prst="rect">
+            <a:avLst/>
+          </a:prstGeom>
+        </p:spPr>
+        <p:txBody>
+          <a:bodyPr>
+            <a:spAutoFit/>
+          </a:bodyPr>
+          <a:lstStyle/>
+          <a:p>
+            <a:endParaRPr lang="en-IN" b="0" dirty="0">
+              <a:solidFill>
+                <a:srgbClr val="D4D4D4"/>
+              </a:solidFill>
+              <a:effectLst/>
+              <a:latin typeface="Consolas" panose="020B0609020204030204" pitchFamily="49" charset="0"/>
+            </a:endParaRPr>
+          </a:p>
+        </p:txBody>
+      </p:sp>
+      <p:sp>
+        <p:nvSpPr>
+          <p:cNvPr id="4" name="Rectangle 3"/>
+          <p:cNvSpPr/>
+          <p:nvPr/>
+        </p:nvSpPr>
+        <p:spPr>
+          <a:xfrm>
+            <a:off x="392208" y="3913063"/>
+            <a:ext cx="6593541" cy="2862322"/>
+          </a:xfrm>
+          <a:prstGeom prst="rect">
+            <a:avLst/>
+          </a:prstGeom>
+          <a:solidFill>
+            <a:srgbClr val="002060"/>
+          </a:solidFill>
+        </p:spPr>
+        <p:txBody>
+          <a:bodyPr wrap="square">
+            <a:spAutoFit/>
+          </a:bodyPr>
+          <a:lstStyle/>
+          <a:p>
+            <a:r>
+              <a:rPr lang="en-IN" dirty="0" smtClean="0">
+                <a:solidFill>
+                  <a:srgbClr val="6A9955"/>
+                </a:solidFill>
+                <a:latin typeface="Consolas" panose="020B0609020204030204" pitchFamily="49" charset="0"/>
+              </a:rPr>
+              <a:t>//object contains property and function</a:t>
+            </a:r>
+            <a:endParaRPr lang="en-IN" dirty="0" smtClean="0">
+              <a:solidFill>
+                <a:srgbClr val="569CD6"/>
+              </a:solidFill>
+              <a:latin typeface="Consolas" panose="020B0609020204030204" pitchFamily="49" charset="0"/>
+            </a:endParaRPr>
+          </a:p>
+          <a:p>
+            <a:r>
+              <a:rPr lang="en-IN" dirty="0" err="1" smtClean="0">
+                <a:solidFill>
+                  <a:srgbClr val="569CD6"/>
+                </a:solidFill>
+                <a:latin typeface="Consolas" panose="020B0609020204030204" pitchFamily="49" charset="0"/>
+              </a:rPr>
+              <a:t>var</a:t>
+            </a:r>
+            <a:r>
+              <a:rPr lang="en-IN" dirty="0" smtClean="0">
+                <a:solidFill>
+                  <a:srgbClr val="D4D4D4"/>
+                </a:solidFill>
+                <a:latin typeface="Consolas" panose="020B0609020204030204" pitchFamily="49" charset="0"/>
+              </a:rPr>
+              <a:t> </a:t>
+            </a:r>
+            <a:r>
+              <a:rPr lang="en-IN" dirty="0">
+                <a:solidFill>
+                  <a:srgbClr val="9CDCFE"/>
+                </a:solidFill>
+                <a:latin typeface="Consolas" panose="020B0609020204030204" pitchFamily="49" charset="0"/>
+              </a:rPr>
+              <a:t>person</a:t>
+            </a:r>
+            <a:r>
+              <a:rPr lang="en-IN" dirty="0">
+                <a:solidFill>
+                  <a:srgbClr val="D4D4D4"/>
+                </a:solidFill>
+                <a:latin typeface="Consolas" panose="020B0609020204030204" pitchFamily="49" charset="0"/>
+              </a:rPr>
+              <a:t> = {</a:t>
+            </a:r>
+          </a:p>
+          <a:p>
+            <a:r>
+              <a:rPr lang="en-IN" dirty="0" err="1">
+                <a:solidFill>
+                  <a:srgbClr val="9CDCFE"/>
+                </a:solidFill>
+                <a:latin typeface="Consolas" panose="020B0609020204030204" pitchFamily="49" charset="0"/>
+              </a:rPr>
+              <a:t>firstName</a:t>
+            </a:r>
+            <a:r>
+              <a:rPr lang="en-IN" dirty="0">
+                <a:solidFill>
+                  <a:srgbClr val="9CDCFE"/>
+                </a:solidFill>
+                <a:latin typeface="Consolas" panose="020B0609020204030204" pitchFamily="49" charset="0"/>
+              </a:rPr>
+              <a:t> :</a:t>
+            </a:r>
+            <a:r>
+              <a:rPr lang="en-IN" dirty="0">
+                <a:solidFill>
+                  <a:srgbClr val="D4D4D4"/>
+                </a:solidFill>
+                <a:latin typeface="Consolas" panose="020B0609020204030204" pitchFamily="49" charset="0"/>
+              </a:rPr>
+              <a:t> </a:t>
+            </a:r>
+            <a:r>
+              <a:rPr lang="en-IN" dirty="0">
+                <a:solidFill>
+                  <a:srgbClr val="CE9178"/>
+                </a:solidFill>
+                <a:latin typeface="Consolas" panose="020B0609020204030204" pitchFamily="49" charset="0"/>
+              </a:rPr>
+              <a:t>"Monicka"</a:t>
+            </a:r>
+            <a:r>
+              <a:rPr lang="en-IN" dirty="0">
+                <a:solidFill>
+                  <a:srgbClr val="D4D4D4"/>
+                </a:solidFill>
+                <a:latin typeface="Consolas" panose="020B0609020204030204" pitchFamily="49" charset="0"/>
+              </a:rPr>
+              <a:t>,</a:t>
+            </a:r>
+          </a:p>
+          <a:p>
+            <a:r>
+              <a:rPr lang="en-IN" dirty="0" err="1">
+                <a:solidFill>
+                  <a:srgbClr val="9CDCFE"/>
+                </a:solidFill>
+                <a:latin typeface="Consolas" panose="020B0609020204030204" pitchFamily="49" charset="0"/>
+              </a:rPr>
+              <a:t>lastName</a:t>
+            </a:r>
+            <a:r>
+              <a:rPr lang="en-IN" dirty="0">
+                <a:solidFill>
+                  <a:srgbClr val="9CDCFE"/>
+                </a:solidFill>
+                <a:latin typeface="Consolas" panose="020B0609020204030204" pitchFamily="49" charset="0"/>
+              </a:rPr>
+              <a:t>:</a:t>
+            </a:r>
+            <a:r>
+              <a:rPr lang="en-IN" dirty="0">
+                <a:solidFill>
+                  <a:srgbClr val="D4D4D4"/>
+                </a:solidFill>
+                <a:latin typeface="Consolas" panose="020B0609020204030204" pitchFamily="49" charset="0"/>
+              </a:rPr>
+              <a:t> </a:t>
+            </a:r>
+            <a:r>
+              <a:rPr lang="en-IN" dirty="0">
+                <a:solidFill>
+                  <a:srgbClr val="CE9178"/>
+                </a:solidFill>
+                <a:latin typeface="Consolas" panose="020B0609020204030204" pitchFamily="49" charset="0"/>
+              </a:rPr>
+              <a:t>"Akilan"</a:t>
+            </a:r>
+            <a:r>
+              <a:rPr lang="en-IN" dirty="0">
+                <a:solidFill>
+                  <a:srgbClr val="D4D4D4"/>
+                </a:solidFill>
+                <a:latin typeface="Consolas" panose="020B0609020204030204" pitchFamily="49" charset="0"/>
+              </a:rPr>
+              <a:t>,</a:t>
+            </a:r>
+          </a:p>
+          <a:p>
+            <a:r>
+              <a:rPr lang="en-IN" dirty="0" err="1">
+                <a:solidFill>
+                  <a:srgbClr val="DCDCAA"/>
+                </a:solidFill>
+                <a:latin typeface="Consolas" panose="020B0609020204030204" pitchFamily="49" charset="0"/>
+              </a:rPr>
+              <a:t>sayHello</a:t>
+            </a:r>
+            <a:r>
+              <a:rPr lang="en-IN" dirty="0">
+                <a:solidFill>
+                  <a:srgbClr val="9CDCFE"/>
+                </a:solidFill>
+                <a:latin typeface="Consolas" panose="020B0609020204030204" pitchFamily="49" charset="0"/>
+              </a:rPr>
+              <a:t>:</a:t>
+            </a:r>
+            <a:r>
+              <a:rPr lang="en-IN" dirty="0">
+                <a:solidFill>
+                  <a:srgbClr val="D4D4D4"/>
+                </a:solidFill>
+                <a:latin typeface="Consolas" panose="020B0609020204030204" pitchFamily="49" charset="0"/>
+              </a:rPr>
+              <a:t> </a:t>
+            </a:r>
+            <a:r>
+              <a:rPr lang="en-IN" dirty="0">
+                <a:solidFill>
+                  <a:srgbClr val="569CD6"/>
+                </a:solidFill>
+                <a:latin typeface="Consolas" panose="020B0609020204030204" pitchFamily="49" charset="0"/>
+              </a:rPr>
+              <a:t>function</a:t>
+            </a:r>
+            <a:r>
+              <a:rPr lang="en-IN" dirty="0">
+                <a:solidFill>
+                  <a:srgbClr val="D4D4D4"/>
+                </a:solidFill>
+                <a:latin typeface="Consolas" panose="020B0609020204030204" pitchFamily="49" charset="0"/>
+              </a:rPr>
+              <a:t>() {}</a:t>
+            </a:r>
+          </a:p>
+          <a:p>
+            <a:r>
+              <a:rPr lang="en-IN" dirty="0">
+                <a:solidFill>
+                  <a:srgbClr val="D4D4D4"/>
+                </a:solidFill>
+                <a:latin typeface="Consolas" panose="020B0609020204030204" pitchFamily="49" charset="0"/>
+              </a:rPr>
+              <a:t>}</a:t>
+            </a:r>
+          </a:p>
+          <a:p>
+            <a:r>
+              <a:rPr lang="en-IN" dirty="0" err="1">
+                <a:solidFill>
+                  <a:srgbClr val="9CDCFE"/>
+                </a:solidFill>
+                <a:latin typeface="Consolas" panose="020B0609020204030204" pitchFamily="49" charset="0"/>
+              </a:rPr>
+              <a:t>person</a:t>
+            </a:r>
+            <a:r>
+              <a:rPr lang="en-IN" dirty="0" err="1">
+                <a:solidFill>
+                  <a:srgbClr val="D4D4D4"/>
+                </a:solidFill>
+                <a:latin typeface="Consolas" panose="020B0609020204030204" pitchFamily="49" charset="0"/>
+              </a:rPr>
+              <a:t>.</a:t>
+            </a:r>
+            <a:r>
+              <a:rPr lang="en-IN" dirty="0" err="1">
+                <a:solidFill>
+                  <a:srgbClr val="DCDCAA"/>
+                </a:solidFill>
+                <a:latin typeface="Consolas" panose="020B0609020204030204" pitchFamily="49" charset="0"/>
+              </a:rPr>
+              <a:t>sayHello</a:t>
+            </a:r>
+            <a:r>
+              <a:rPr lang="en-IN" dirty="0">
+                <a:solidFill>
+                  <a:srgbClr val="D4D4D4"/>
+                </a:solidFill>
+                <a:latin typeface="Consolas" panose="020B0609020204030204" pitchFamily="49" charset="0"/>
+              </a:rPr>
+              <a:t> = </a:t>
+            </a:r>
+            <a:r>
+              <a:rPr lang="en-IN" dirty="0">
+                <a:solidFill>
+                  <a:srgbClr val="569CD6"/>
+                </a:solidFill>
+                <a:latin typeface="Consolas" panose="020B0609020204030204" pitchFamily="49" charset="0"/>
+              </a:rPr>
+              <a:t>function</a:t>
+            </a:r>
+            <a:r>
+              <a:rPr lang="en-IN" dirty="0">
+                <a:solidFill>
+                  <a:srgbClr val="D4D4D4"/>
+                </a:solidFill>
+                <a:latin typeface="Consolas" panose="020B0609020204030204" pitchFamily="49" charset="0"/>
+              </a:rPr>
+              <a:t>(){</a:t>
+            </a:r>
+          </a:p>
+          <a:p>
+            <a:r>
+              <a:rPr lang="en-IN" dirty="0">
+                <a:solidFill>
+                  <a:srgbClr val="4EC9B0"/>
+                </a:solidFill>
+                <a:latin typeface="Consolas" panose="020B0609020204030204" pitchFamily="49" charset="0"/>
+              </a:rPr>
+              <a:t>console</a:t>
+            </a:r>
+            <a:r>
+              <a:rPr lang="en-IN" dirty="0">
+                <a:solidFill>
+                  <a:srgbClr val="D4D4D4"/>
+                </a:solidFill>
+                <a:latin typeface="Consolas" panose="020B0609020204030204" pitchFamily="49" charset="0"/>
+              </a:rPr>
+              <a:t>.</a:t>
+            </a:r>
+            <a:r>
+              <a:rPr lang="en-IN" dirty="0">
+                <a:solidFill>
+                  <a:srgbClr val="DCDCAA"/>
+                </a:solidFill>
+                <a:latin typeface="Consolas" panose="020B0609020204030204" pitchFamily="49" charset="0"/>
+              </a:rPr>
+              <a:t>log</a:t>
+            </a:r>
+            <a:r>
+              <a:rPr lang="en-IN" dirty="0">
+                <a:solidFill>
+                  <a:srgbClr val="D4D4D4"/>
+                </a:solidFill>
+                <a:latin typeface="Consolas" panose="020B0609020204030204" pitchFamily="49" charset="0"/>
+              </a:rPr>
+              <a:t>(</a:t>
+            </a:r>
+            <a:r>
+              <a:rPr lang="en-IN" dirty="0">
+                <a:solidFill>
+                  <a:srgbClr val="CE9178"/>
+                </a:solidFill>
+                <a:latin typeface="Consolas" panose="020B0609020204030204" pitchFamily="49" charset="0"/>
+              </a:rPr>
+              <a:t>"function says: "</a:t>
+            </a:r>
+            <a:r>
+              <a:rPr lang="en-IN" dirty="0">
+                <a:solidFill>
+                  <a:srgbClr val="D4D4D4"/>
+                </a:solidFill>
+                <a:latin typeface="Consolas" panose="020B0609020204030204" pitchFamily="49" charset="0"/>
+              </a:rPr>
+              <a:t>+ </a:t>
+            </a:r>
+            <a:r>
+              <a:rPr lang="en-IN" dirty="0" err="1">
+                <a:solidFill>
+                  <a:srgbClr val="9CDCFE"/>
+                </a:solidFill>
+                <a:latin typeface="Consolas" panose="020B0609020204030204" pitchFamily="49" charset="0"/>
+              </a:rPr>
+              <a:t>person</a:t>
+            </a:r>
+            <a:r>
+              <a:rPr lang="en-IN" dirty="0" err="1">
+                <a:solidFill>
+                  <a:srgbClr val="D4D4D4"/>
+                </a:solidFill>
+                <a:latin typeface="Consolas" panose="020B0609020204030204" pitchFamily="49" charset="0"/>
+              </a:rPr>
+              <a:t>.</a:t>
+            </a:r>
+            <a:r>
+              <a:rPr lang="en-IN" dirty="0" err="1">
+                <a:solidFill>
+                  <a:srgbClr val="9CDCFE"/>
+                </a:solidFill>
+                <a:latin typeface="Consolas" panose="020B0609020204030204" pitchFamily="49" charset="0"/>
+              </a:rPr>
+              <a:t>firstName</a:t>
+            </a:r>
+            <a:r>
+              <a:rPr lang="en-IN" dirty="0">
+                <a:solidFill>
+                  <a:srgbClr val="D4D4D4"/>
+                </a:solidFill>
+                <a:latin typeface="Consolas" panose="020B0609020204030204" pitchFamily="49" charset="0"/>
+              </a:rPr>
+              <a:t>);</a:t>
+            </a:r>
+          </a:p>
+          <a:p>
+            <a:r>
+              <a:rPr lang="en-IN" dirty="0" smtClean="0">
+                <a:solidFill>
+                  <a:srgbClr val="D4D4D4"/>
+                </a:solidFill>
+                <a:latin typeface="Consolas" panose="020B0609020204030204" pitchFamily="49" charset="0"/>
+              </a:rPr>
+              <a:t>}</a:t>
+            </a:r>
+            <a:r>
+              <a:rPr lang="en-IN" dirty="0">
+                <a:solidFill>
+                  <a:srgbClr val="D4D4D4"/>
+                </a:solidFill>
+                <a:latin typeface="Consolas" panose="020B0609020204030204" pitchFamily="49" charset="0"/>
+              </a:rPr>
+              <a:t/>
+            </a:r>
+            <a:br>
+              <a:rPr lang="en-IN" dirty="0">
+                <a:solidFill>
+                  <a:srgbClr val="D4D4D4"/>
+                </a:solidFill>
+                <a:latin typeface="Consolas" panose="020B0609020204030204" pitchFamily="49" charset="0"/>
+              </a:rPr>
+            </a:br>
+            <a:r>
+              <a:rPr lang="en-IN" dirty="0" err="1">
+                <a:solidFill>
+                  <a:srgbClr val="9CDCFE"/>
+                </a:solidFill>
+                <a:latin typeface="Consolas" panose="020B0609020204030204" pitchFamily="49" charset="0"/>
+              </a:rPr>
+              <a:t>person</a:t>
+            </a:r>
+            <a:r>
+              <a:rPr lang="en-IN" dirty="0" err="1">
+                <a:solidFill>
+                  <a:srgbClr val="D4D4D4"/>
+                </a:solidFill>
+                <a:latin typeface="Consolas" panose="020B0609020204030204" pitchFamily="49" charset="0"/>
+              </a:rPr>
+              <a:t>.</a:t>
+            </a:r>
+            <a:r>
+              <a:rPr lang="en-IN" dirty="0" err="1">
+                <a:solidFill>
+                  <a:srgbClr val="DCDCAA"/>
+                </a:solidFill>
+                <a:latin typeface="Consolas" panose="020B0609020204030204" pitchFamily="49" charset="0"/>
+              </a:rPr>
+              <a:t>sayHello</a:t>
+            </a:r>
+            <a:r>
+              <a:rPr lang="en-IN" dirty="0">
+                <a:solidFill>
+                  <a:srgbClr val="D4D4D4"/>
+                </a:solidFill>
+                <a:latin typeface="Consolas" panose="020B0609020204030204" pitchFamily="49" charset="0"/>
+              </a:rPr>
+              <a:t>();</a:t>
+            </a:r>
+            <a:endParaRPr lang="en-IN" b="0" dirty="0">
+              <a:solidFill>
+                <a:srgbClr val="D4D4D4"/>
+              </a:solidFill>
+              <a:effectLst/>
+              <a:latin typeface="Consolas" panose="020B0609020204030204" pitchFamily="49" charset="0"/>
+            </a:endParaRPr>
+          </a:p>
+        </p:txBody>
+      </p:sp>
+      <p:sp>
+        <p:nvSpPr>
+          <p:cNvPr id="8" name="Rectangle 7"/>
+          <p:cNvSpPr/>
+          <p:nvPr/>
+        </p:nvSpPr>
+        <p:spPr>
+          <a:xfrm>
+            <a:off x="7315203" y="3934879"/>
+            <a:ext cx="4666126" cy="1323439"/>
+          </a:xfrm>
+          <a:prstGeom prst="rect">
+            <a:avLst/>
+          </a:prstGeom>
+          <a:solidFill>
+            <a:schemeClr val="accent2">
+              <a:lumMod val="20000"/>
+              <a:lumOff val="80000"/>
+            </a:schemeClr>
+          </a:solidFill>
+        </p:spPr>
+        <p:txBody>
+          <a:bodyPr wrap="square">
+            <a:spAutoFit/>
+          </a:bodyPr>
+          <a:lstStyle/>
+          <a:p>
+            <a:r>
+              <a:rPr lang="en-IN" sz="1600" dirty="0"/>
+              <a:t>PS D:\Angular\Typescript\TS_WK&gt; </a:t>
+            </a:r>
+            <a:r>
+              <a:rPr lang="en-IN" sz="1600" dirty="0" err="1"/>
+              <a:t>tsc</a:t>
+            </a:r>
+            <a:r>
+              <a:rPr lang="en-IN" sz="1600" dirty="0"/>
+              <a:t> </a:t>
+            </a:r>
+            <a:r>
+              <a:rPr lang="en-IN" sz="1600" dirty="0" err="1" smtClean="0"/>
+              <a:t>object</a:t>
+            </a:r>
+            <a:r>
+              <a:rPr lang="en-IN" sz="1600" dirty="0" err="1" smtClean="0"/>
+              <a:t>.ts</a:t>
+            </a:r>
+            <a:endParaRPr lang="en-IN" sz="1600" dirty="0"/>
+          </a:p>
+          <a:p>
+            <a:r>
+              <a:rPr lang="en-IN" sz="1600" dirty="0"/>
+              <a:t>PS D:\Angular\Typescript\TS_WK&gt; node </a:t>
+            </a:r>
+            <a:r>
+              <a:rPr lang="en-IN" sz="1600" dirty="0" smtClean="0"/>
+              <a:t>object</a:t>
+            </a:r>
+            <a:r>
+              <a:rPr lang="en-IN" sz="1600" dirty="0" smtClean="0"/>
+              <a:t>.js</a:t>
+            </a:r>
+            <a:endParaRPr lang="en-IN" sz="1600" dirty="0"/>
+          </a:p>
+          <a:p>
+            <a:r>
+              <a:rPr lang="en-IN" sz="1600" b="1" dirty="0"/>
+              <a:t>function says: Monicka</a:t>
+            </a:r>
+            <a:endParaRPr lang="en-IN" sz="1600" b="1" dirty="0"/>
+          </a:p>
+        </p:txBody>
+      </p:sp>
+    </p:spTree>
+    <p:extLst>
+      <p:ext uri="{BB962C8B-B14F-4D97-AF65-F5344CB8AC3E}">
+        <p14:creationId xmlns:p14="http://schemas.microsoft.com/office/powerpoint/2010/main" val="3668469390"/>
+      </p:ext>
+    </p:extLst>
+  </p:cSld>
+  <p:clrMapOvr>
+    <a:masterClrMapping/>
+  </p:clrMapOvr>
+  <p:timing>
+    <p:tnLst>
+      <p:par>
+        <p:cTn id="1" dur="indefinite" restart="never" nodeType="tmRoot"/>
+      </p:par>
+    </p:tnLst>
+  </p:timing>
+</p:sld>
+</file>
+
+<file path=ppt/slides/slide24.xml><?xml version="1.0" encoding="utf-8"?>
+<p:sld xmlns:a="http://schemas.openxmlformats.org/drawingml/2006/main" xmlns:r="http://schemas.openxmlformats.org/officeDocument/2006/relationships" xmlns:p="http://schemas.openxmlformats.org/presentationml/2006/main">
+  <p:cSld>
+    <p:spTree>
+      <p:nvGrpSpPr>
+        <p:cNvPr id="1" name=""/>
+        <p:cNvGrpSpPr/>
+        <p:nvPr/>
+      </p:nvGrpSpPr>
+      <p:grpSpPr>
+        <a:xfrm>
+          <a:off x="0" y="0"/>
+          <a:ext cx="0" cy="0"/>
+          <a:chOff x="0" y="0"/>
+          <a:chExt cx="0" cy="0"/>
+        </a:xfrm>
+      </p:grpSpPr>
+      <p:sp>
+        <p:nvSpPr>
+          <p:cNvPr id="2" name="Title 1"/>
+          <p:cNvSpPr>
+            <a:spLocks noGrp="1"/>
+          </p:cNvSpPr>
+          <p:nvPr>
+            <p:ph type="title"/>
+          </p:nvPr>
+        </p:nvSpPr>
+        <p:spPr>
+          <a:xfrm>
+            <a:off x="1479177" y="764373"/>
+            <a:ext cx="10027024" cy="1293028"/>
+          </a:xfrm>
+        </p:spPr>
+        <p:txBody>
+          <a:bodyPr>
+            <a:normAutofit/>
+          </a:bodyPr>
+          <a:lstStyle/>
+          <a:p>
+            <a:r>
+              <a:rPr lang="en-IN" b="1" dirty="0" smtClean="0"/>
+              <a:t>5</a:t>
+            </a:r>
+            <a:r>
+              <a:rPr lang="en-IN" b="1" dirty="0" smtClean="0"/>
+              <a:t>.2 </a:t>
+            </a:r>
+            <a:r>
+              <a:rPr lang="en-IN" b="1" dirty="0"/>
+              <a:t>Objects as function </a:t>
+            </a:r>
+            <a:r>
+              <a:rPr lang="en-IN" b="1" dirty="0" smtClean="0"/>
+              <a:t>parameters</a:t>
+            </a:r>
+            <a:endParaRPr lang="en-IN" b="1" dirty="0"/>
+          </a:p>
+        </p:txBody>
+      </p:sp>
+      <p:sp>
+        <p:nvSpPr>
+          <p:cNvPr id="9" name="Rectangle 8"/>
+          <p:cNvSpPr/>
+          <p:nvPr/>
+        </p:nvSpPr>
+        <p:spPr>
+          <a:xfrm>
+            <a:off x="439272" y="1707777"/>
+            <a:ext cx="7830669" cy="5078313"/>
+          </a:xfrm>
+          <a:prstGeom prst="rect">
+            <a:avLst/>
+          </a:prstGeom>
+          <a:solidFill>
+            <a:srgbClr val="002060"/>
+          </a:solidFill>
+        </p:spPr>
+        <p:txBody>
+          <a:bodyPr wrap="square">
+            <a:spAutoFit/>
+          </a:bodyPr>
+          <a:lstStyle/>
+          <a:p>
+            <a:r>
+              <a:rPr lang="en-IN" dirty="0" smtClean="0">
+                <a:solidFill>
+                  <a:srgbClr val="6A9955"/>
+                </a:solidFill>
+                <a:latin typeface="Consolas" panose="020B0609020204030204" pitchFamily="49" charset="0"/>
+              </a:rPr>
+              <a:t>//object as function parameters</a:t>
+            </a:r>
+          </a:p>
+          <a:p>
+            <a:r>
+              <a:rPr lang="en-IN" dirty="0" err="1" smtClean="0">
+                <a:solidFill>
+                  <a:srgbClr val="569CD6"/>
+                </a:solidFill>
+                <a:latin typeface="Consolas" panose="020B0609020204030204" pitchFamily="49" charset="0"/>
+              </a:rPr>
+              <a:t>var</a:t>
+            </a:r>
+            <a:r>
+              <a:rPr lang="en-IN" dirty="0" smtClean="0">
+                <a:solidFill>
+                  <a:srgbClr val="D4D4D4"/>
+                </a:solidFill>
+                <a:latin typeface="Consolas" panose="020B0609020204030204" pitchFamily="49" charset="0"/>
+              </a:rPr>
+              <a:t> </a:t>
+            </a:r>
+            <a:r>
+              <a:rPr lang="en-IN" dirty="0">
+                <a:solidFill>
+                  <a:srgbClr val="9CDCFE"/>
+                </a:solidFill>
+                <a:latin typeface="Consolas" panose="020B0609020204030204" pitchFamily="49" charset="0"/>
+              </a:rPr>
+              <a:t>person2</a:t>
+            </a:r>
+            <a:r>
+              <a:rPr lang="en-IN" dirty="0">
+                <a:solidFill>
+                  <a:srgbClr val="D4D4D4"/>
+                </a:solidFill>
+                <a:latin typeface="Consolas" panose="020B0609020204030204" pitchFamily="49" charset="0"/>
+              </a:rPr>
+              <a:t> = {</a:t>
+            </a:r>
+          </a:p>
+          <a:p>
+            <a:r>
+              <a:rPr lang="en-IN" dirty="0" err="1">
+                <a:solidFill>
+                  <a:srgbClr val="9CDCFE"/>
+                </a:solidFill>
+                <a:latin typeface="Consolas" panose="020B0609020204030204" pitchFamily="49" charset="0"/>
+              </a:rPr>
+              <a:t>firstName</a:t>
+            </a:r>
+            <a:r>
+              <a:rPr lang="en-IN" dirty="0">
+                <a:solidFill>
+                  <a:srgbClr val="9CDCFE"/>
+                </a:solidFill>
+                <a:latin typeface="Consolas" panose="020B0609020204030204" pitchFamily="49" charset="0"/>
+              </a:rPr>
+              <a:t> :</a:t>
+            </a:r>
+            <a:r>
+              <a:rPr lang="en-IN" dirty="0">
+                <a:solidFill>
+                  <a:srgbClr val="D4D4D4"/>
+                </a:solidFill>
+                <a:latin typeface="Consolas" panose="020B0609020204030204" pitchFamily="49" charset="0"/>
+              </a:rPr>
+              <a:t> </a:t>
+            </a:r>
+            <a:r>
+              <a:rPr lang="en-IN" dirty="0">
+                <a:solidFill>
+                  <a:srgbClr val="CE9178"/>
+                </a:solidFill>
+                <a:latin typeface="Consolas" panose="020B0609020204030204" pitchFamily="49" charset="0"/>
+              </a:rPr>
+              <a:t>"Monicka"</a:t>
+            </a:r>
+            <a:r>
+              <a:rPr lang="en-IN" dirty="0">
+                <a:solidFill>
+                  <a:srgbClr val="D4D4D4"/>
+                </a:solidFill>
+                <a:latin typeface="Consolas" panose="020B0609020204030204" pitchFamily="49" charset="0"/>
+              </a:rPr>
+              <a:t>,</a:t>
+            </a:r>
+          </a:p>
+          <a:p>
+            <a:r>
+              <a:rPr lang="en-IN" dirty="0" err="1">
+                <a:solidFill>
+                  <a:srgbClr val="9CDCFE"/>
+                </a:solidFill>
+                <a:latin typeface="Consolas" panose="020B0609020204030204" pitchFamily="49" charset="0"/>
+              </a:rPr>
+              <a:t>lastName</a:t>
+            </a:r>
+            <a:r>
+              <a:rPr lang="en-IN" dirty="0">
+                <a:solidFill>
+                  <a:srgbClr val="9CDCFE"/>
+                </a:solidFill>
+                <a:latin typeface="Consolas" panose="020B0609020204030204" pitchFamily="49" charset="0"/>
+              </a:rPr>
+              <a:t>:</a:t>
+            </a:r>
+            <a:r>
+              <a:rPr lang="en-IN" dirty="0">
+                <a:solidFill>
+                  <a:srgbClr val="D4D4D4"/>
+                </a:solidFill>
+                <a:latin typeface="Consolas" panose="020B0609020204030204" pitchFamily="49" charset="0"/>
+              </a:rPr>
+              <a:t> </a:t>
+            </a:r>
+            <a:r>
+              <a:rPr lang="en-IN" dirty="0">
+                <a:solidFill>
+                  <a:srgbClr val="CE9178"/>
+                </a:solidFill>
+                <a:latin typeface="Consolas" panose="020B0609020204030204" pitchFamily="49" charset="0"/>
+              </a:rPr>
+              <a:t>"Akilan"</a:t>
+            </a:r>
+            <a:r>
+              <a:rPr lang="en-IN" dirty="0">
+                <a:solidFill>
+                  <a:srgbClr val="D4D4D4"/>
+                </a:solidFill>
+                <a:latin typeface="Consolas" panose="020B0609020204030204" pitchFamily="49" charset="0"/>
+              </a:rPr>
+              <a:t>,</a:t>
+            </a:r>
+          </a:p>
+          <a:p>
+            <a:r>
+              <a:rPr lang="en-IN" dirty="0">
+                <a:solidFill>
+                  <a:srgbClr val="D4D4D4"/>
+                </a:solidFill>
+                <a:latin typeface="Consolas" panose="020B0609020204030204" pitchFamily="49" charset="0"/>
+              </a:rPr>
+              <a:t>}</a:t>
+            </a:r>
+          </a:p>
+          <a:p>
+            <a:r>
+              <a:rPr lang="en-IN" dirty="0">
+                <a:solidFill>
+                  <a:srgbClr val="D4D4D4"/>
+                </a:solidFill>
+                <a:latin typeface="Consolas" panose="020B0609020204030204" pitchFamily="49" charset="0"/>
+              </a:rPr>
+              <a:t/>
+            </a:r>
+            <a:br>
+              <a:rPr lang="en-IN" dirty="0">
+                <a:solidFill>
+                  <a:srgbClr val="D4D4D4"/>
+                </a:solidFill>
+                <a:latin typeface="Consolas" panose="020B0609020204030204" pitchFamily="49" charset="0"/>
+              </a:rPr>
+            </a:br>
+            <a:r>
+              <a:rPr lang="en-IN" dirty="0" err="1">
+                <a:solidFill>
+                  <a:srgbClr val="569CD6"/>
+                </a:solidFill>
+                <a:latin typeface="Consolas" panose="020B0609020204030204" pitchFamily="49" charset="0"/>
+              </a:rPr>
+              <a:t>var</a:t>
+            </a:r>
+            <a:r>
+              <a:rPr lang="en-IN" dirty="0">
+                <a:solidFill>
+                  <a:srgbClr val="D4D4D4"/>
+                </a:solidFill>
+                <a:latin typeface="Consolas" panose="020B0609020204030204" pitchFamily="49" charset="0"/>
+              </a:rPr>
+              <a:t> </a:t>
+            </a:r>
+            <a:r>
+              <a:rPr lang="en-IN" dirty="0" err="1">
+                <a:solidFill>
+                  <a:srgbClr val="DCDCAA"/>
+                </a:solidFill>
+                <a:latin typeface="Consolas" panose="020B0609020204030204" pitchFamily="49" charset="0"/>
+              </a:rPr>
+              <a:t>callPerson</a:t>
+            </a:r>
+            <a:r>
+              <a:rPr lang="en-IN" dirty="0">
+                <a:solidFill>
+                  <a:srgbClr val="D4D4D4"/>
+                </a:solidFill>
+                <a:latin typeface="Consolas" panose="020B0609020204030204" pitchFamily="49" charset="0"/>
+              </a:rPr>
+              <a:t> = </a:t>
+            </a:r>
+            <a:r>
+              <a:rPr lang="en-IN" dirty="0">
+                <a:solidFill>
+                  <a:srgbClr val="569CD6"/>
+                </a:solidFill>
+                <a:latin typeface="Consolas" panose="020B0609020204030204" pitchFamily="49" charset="0"/>
+              </a:rPr>
+              <a:t>function</a:t>
+            </a:r>
+            <a:r>
+              <a:rPr lang="en-IN" dirty="0">
+                <a:solidFill>
+                  <a:srgbClr val="D4D4D4"/>
+                </a:solidFill>
+                <a:latin typeface="Consolas" panose="020B0609020204030204" pitchFamily="49" charset="0"/>
+              </a:rPr>
+              <a:t>(</a:t>
+            </a:r>
+            <a:r>
+              <a:rPr lang="en-IN" dirty="0" err="1">
+                <a:solidFill>
+                  <a:srgbClr val="9CDCFE"/>
+                </a:solidFill>
+                <a:latin typeface="Consolas" panose="020B0609020204030204" pitchFamily="49" charset="0"/>
+              </a:rPr>
+              <a:t>obj</a:t>
+            </a:r>
+            <a:r>
+              <a:rPr lang="en-IN" dirty="0">
+                <a:solidFill>
+                  <a:srgbClr val="D4D4D4"/>
+                </a:solidFill>
+                <a:latin typeface="Consolas" panose="020B0609020204030204" pitchFamily="49" charset="0"/>
+              </a:rPr>
+              <a:t>:{</a:t>
+            </a:r>
+            <a:r>
+              <a:rPr lang="en-IN" dirty="0" err="1">
+                <a:solidFill>
+                  <a:srgbClr val="9CDCFE"/>
+                </a:solidFill>
+                <a:latin typeface="Consolas" panose="020B0609020204030204" pitchFamily="49" charset="0"/>
+              </a:rPr>
+              <a:t>firstName</a:t>
+            </a:r>
+            <a:r>
+              <a:rPr lang="en-IN" dirty="0" err="1">
+                <a:solidFill>
+                  <a:srgbClr val="D4D4D4"/>
+                </a:solidFill>
+                <a:latin typeface="Consolas" panose="020B0609020204030204" pitchFamily="49" charset="0"/>
+              </a:rPr>
+              <a:t>:</a:t>
+            </a:r>
+            <a:r>
+              <a:rPr lang="en-IN" dirty="0" err="1">
+                <a:solidFill>
+                  <a:srgbClr val="4EC9B0"/>
+                </a:solidFill>
+                <a:latin typeface="Consolas" panose="020B0609020204030204" pitchFamily="49" charset="0"/>
+              </a:rPr>
+              <a:t>string</a:t>
+            </a:r>
+            <a:r>
+              <a:rPr lang="en-IN" dirty="0">
+                <a:solidFill>
+                  <a:srgbClr val="D4D4D4"/>
+                </a:solidFill>
+                <a:latin typeface="Consolas" panose="020B0609020204030204" pitchFamily="49" charset="0"/>
+              </a:rPr>
+              <a:t>, </a:t>
+            </a:r>
+            <a:r>
+              <a:rPr lang="en-IN" dirty="0" err="1">
+                <a:solidFill>
+                  <a:srgbClr val="9CDCFE"/>
+                </a:solidFill>
+                <a:latin typeface="Consolas" panose="020B0609020204030204" pitchFamily="49" charset="0"/>
+              </a:rPr>
+              <a:t>lastName</a:t>
+            </a:r>
+            <a:r>
+              <a:rPr lang="en-IN" dirty="0" err="1">
+                <a:solidFill>
+                  <a:srgbClr val="D4D4D4"/>
+                </a:solidFill>
+                <a:latin typeface="Consolas" panose="020B0609020204030204" pitchFamily="49" charset="0"/>
+              </a:rPr>
+              <a:t>:</a:t>
+            </a:r>
+            <a:r>
+              <a:rPr lang="en-IN" dirty="0" err="1">
+                <a:solidFill>
+                  <a:srgbClr val="4EC9B0"/>
+                </a:solidFill>
+                <a:latin typeface="Consolas" panose="020B0609020204030204" pitchFamily="49" charset="0"/>
+              </a:rPr>
+              <a:t>string</a:t>
+            </a:r>
+            <a:r>
+              <a:rPr lang="en-IN" dirty="0">
+                <a:solidFill>
+                  <a:srgbClr val="D4D4D4"/>
+                </a:solidFill>
+                <a:latin typeface="Consolas" panose="020B0609020204030204" pitchFamily="49" charset="0"/>
+              </a:rPr>
+              <a:t>}) {</a:t>
+            </a:r>
+          </a:p>
+          <a:p>
+            <a:r>
+              <a:rPr lang="en-IN" dirty="0">
+                <a:solidFill>
+                  <a:srgbClr val="4EC9B0"/>
+                </a:solidFill>
+                <a:latin typeface="Consolas" panose="020B0609020204030204" pitchFamily="49" charset="0"/>
+              </a:rPr>
+              <a:t>console</a:t>
+            </a:r>
+            <a:r>
+              <a:rPr lang="en-IN" dirty="0">
+                <a:solidFill>
+                  <a:srgbClr val="D4D4D4"/>
+                </a:solidFill>
+                <a:latin typeface="Consolas" panose="020B0609020204030204" pitchFamily="49" charset="0"/>
+              </a:rPr>
+              <a:t>.</a:t>
+            </a:r>
+            <a:r>
+              <a:rPr lang="en-IN" dirty="0">
+                <a:solidFill>
+                  <a:srgbClr val="DCDCAA"/>
+                </a:solidFill>
+                <a:latin typeface="Consolas" panose="020B0609020204030204" pitchFamily="49" charset="0"/>
+              </a:rPr>
+              <a:t>log</a:t>
+            </a:r>
+            <a:r>
+              <a:rPr lang="en-IN" dirty="0">
+                <a:solidFill>
+                  <a:srgbClr val="D4D4D4"/>
+                </a:solidFill>
+                <a:latin typeface="Consolas" panose="020B0609020204030204" pitchFamily="49" charset="0"/>
+              </a:rPr>
+              <a:t>(</a:t>
+            </a:r>
+            <a:r>
+              <a:rPr lang="en-IN" dirty="0">
+                <a:solidFill>
+                  <a:srgbClr val="CE9178"/>
+                </a:solidFill>
+                <a:latin typeface="Consolas" panose="020B0609020204030204" pitchFamily="49" charset="0"/>
+              </a:rPr>
+              <a:t>"</a:t>
+            </a:r>
+            <a:r>
+              <a:rPr lang="en-IN" dirty="0" err="1">
+                <a:solidFill>
+                  <a:srgbClr val="CE9178"/>
+                </a:solidFill>
+                <a:latin typeface="Consolas" panose="020B0609020204030204" pitchFamily="49" charset="0"/>
+              </a:rPr>
+              <a:t>callPerson</a:t>
+            </a:r>
+            <a:r>
+              <a:rPr lang="en-IN" dirty="0">
+                <a:solidFill>
+                  <a:srgbClr val="CE9178"/>
+                </a:solidFill>
+                <a:latin typeface="Consolas" panose="020B0609020204030204" pitchFamily="49" charset="0"/>
+              </a:rPr>
+              <a:t> </a:t>
+            </a:r>
+            <a:r>
+              <a:rPr lang="en-IN" dirty="0" err="1">
+                <a:solidFill>
+                  <a:srgbClr val="CE9178"/>
+                </a:solidFill>
+                <a:latin typeface="Consolas" panose="020B0609020204030204" pitchFamily="49" charset="0"/>
+              </a:rPr>
+              <a:t>firstName</a:t>
+            </a:r>
+            <a:r>
+              <a:rPr lang="en-IN" dirty="0">
+                <a:solidFill>
+                  <a:srgbClr val="CE9178"/>
+                </a:solidFill>
+                <a:latin typeface="Consolas" panose="020B0609020204030204" pitchFamily="49" charset="0"/>
+              </a:rPr>
+              <a:t>: "</a:t>
+            </a:r>
+            <a:r>
+              <a:rPr lang="en-IN" dirty="0">
+                <a:solidFill>
+                  <a:srgbClr val="D4D4D4"/>
+                </a:solidFill>
+                <a:latin typeface="Consolas" panose="020B0609020204030204" pitchFamily="49" charset="0"/>
+              </a:rPr>
+              <a:t>+ </a:t>
+            </a:r>
+            <a:r>
+              <a:rPr lang="en-IN" dirty="0" err="1">
+                <a:solidFill>
+                  <a:srgbClr val="9CDCFE"/>
+                </a:solidFill>
+                <a:latin typeface="Consolas" panose="020B0609020204030204" pitchFamily="49" charset="0"/>
+              </a:rPr>
+              <a:t>obj</a:t>
+            </a:r>
+            <a:r>
+              <a:rPr lang="en-IN" dirty="0" err="1">
+                <a:solidFill>
+                  <a:srgbClr val="D4D4D4"/>
+                </a:solidFill>
+                <a:latin typeface="Consolas" panose="020B0609020204030204" pitchFamily="49" charset="0"/>
+              </a:rPr>
+              <a:t>.</a:t>
+            </a:r>
+            <a:r>
+              <a:rPr lang="en-IN" dirty="0" err="1">
+                <a:solidFill>
+                  <a:srgbClr val="9CDCFE"/>
+                </a:solidFill>
+                <a:latin typeface="Consolas" panose="020B0609020204030204" pitchFamily="49" charset="0"/>
+              </a:rPr>
+              <a:t>firstName</a:t>
+            </a:r>
+            <a:r>
+              <a:rPr lang="en-IN" dirty="0">
+                <a:solidFill>
+                  <a:srgbClr val="D4D4D4"/>
+                </a:solidFill>
+                <a:latin typeface="Consolas" panose="020B0609020204030204" pitchFamily="49" charset="0"/>
+              </a:rPr>
+              <a:t>);</a:t>
+            </a:r>
+          </a:p>
+          <a:p>
+            <a:r>
+              <a:rPr lang="en-IN" dirty="0">
+                <a:solidFill>
+                  <a:srgbClr val="4EC9B0"/>
+                </a:solidFill>
+                <a:latin typeface="Consolas" panose="020B0609020204030204" pitchFamily="49" charset="0"/>
+              </a:rPr>
+              <a:t>console</a:t>
+            </a:r>
+            <a:r>
+              <a:rPr lang="en-IN" dirty="0">
+                <a:solidFill>
+                  <a:srgbClr val="D4D4D4"/>
+                </a:solidFill>
+                <a:latin typeface="Consolas" panose="020B0609020204030204" pitchFamily="49" charset="0"/>
+              </a:rPr>
+              <a:t>.</a:t>
+            </a:r>
+            <a:r>
+              <a:rPr lang="en-IN" dirty="0">
+                <a:solidFill>
+                  <a:srgbClr val="DCDCAA"/>
+                </a:solidFill>
+                <a:latin typeface="Consolas" panose="020B0609020204030204" pitchFamily="49" charset="0"/>
+              </a:rPr>
+              <a:t>log</a:t>
+            </a:r>
+            <a:r>
+              <a:rPr lang="en-IN" dirty="0">
+                <a:solidFill>
+                  <a:srgbClr val="D4D4D4"/>
+                </a:solidFill>
+                <a:latin typeface="Consolas" panose="020B0609020204030204" pitchFamily="49" charset="0"/>
+              </a:rPr>
+              <a:t>(</a:t>
+            </a:r>
+            <a:r>
+              <a:rPr lang="en-IN" dirty="0">
+                <a:solidFill>
+                  <a:srgbClr val="CE9178"/>
+                </a:solidFill>
+                <a:latin typeface="Consolas" panose="020B0609020204030204" pitchFamily="49" charset="0"/>
+              </a:rPr>
+              <a:t>"</a:t>
+            </a:r>
+            <a:r>
+              <a:rPr lang="en-IN" dirty="0" err="1">
+                <a:solidFill>
+                  <a:srgbClr val="CE9178"/>
+                </a:solidFill>
+                <a:latin typeface="Consolas" panose="020B0609020204030204" pitchFamily="49" charset="0"/>
+              </a:rPr>
+              <a:t>callPerson</a:t>
+            </a:r>
+            <a:r>
+              <a:rPr lang="en-IN" dirty="0">
+                <a:solidFill>
+                  <a:srgbClr val="CE9178"/>
+                </a:solidFill>
+                <a:latin typeface="Consolas" panose="020B0609020204030204" pitchFamily="49" charset="0"/>
+              </a:rPr>
+              <a:t> </a:t>
+            </a:r>
+            <a:r>
+              <a:rPr lang="en-IN" dirty="0" err="1">
+                <a:solidFill>
+                  <a:srgbClr val="CE9178"/>
+                </a:solidFill>
+                <a:latin typeface="Consolas" panose="020B0609020204030204" pitchFamily="49" charset="0"/>
+              </a:rPr>
+              <a:t>lastName</a:t>
+            </a:r>
+            <a:r>
+              <a:rPr lang="en-IN" dirty="0">
+                <a:solidFill>
+                  <a:srgbClr val="CE9178"/>
+                </a:solidFill>
+                <a:latin typeface="Consolas" panose="020B0609020204030204" pitchFamily="49" charset="0"/>
+              </a:rPr>
+              <a:t>: "</a:t>
+            </a:r>
+            <a:r>
+              <a:rPr lang="en-IN" dirty="0">
+                <a:solidFill>
+                  <a:srgbClr val="D4D4D4"/>
+                </a:solidFill>
+                <a:latin typeface="Consolas" panose="020B0609020204030204" pitchFamily="49" charset="0"/>
+              </a:rPr>
+              <a:t>+ </a:t>
+            </a:r>
+            <a:r>
+              <a:rPr lang="en-IN" dirty="0" err="1">
+                <a:solidFill>
+                  <a:srgbClr val="9CDCFE"/>
+                </a:solidFill>
+                <a:latin typeface="Consolas" panose="020B0609020204030204" pitchFamily="49" charset="0"/>
+              </a:rPr>
+              <a:t>obj</a:t>
+            </a:r>
+            <a:r>
+              <a:rPr lang="en-IN" dirty="0" err="1">
+                <a:solidFill>
+                  <a:srgbClr val="D4D4D4"/>
+                </a:solidFill>
+                <a:latin typeface="Consolas" panose="020B0609020204030204" pitchFamily="49" charset="0"/>
+              </a:rPr>
+              <a:t>.</a:t>
+            </a:r>
+            <a:r>
+              <a:rPr lang="en-IN" dirty="0" err="1">
+                <a:solidFill>
+                  <a:srgbClr val="9CDCFE"/>
+                </a:solidFill>
+                <a:latin typeface="Consolas" panose="020B0609020204030204" pitchFamily="49" charset="0"/>
+              </a:rPr>
+              <a:t>lastName</a:t>
+            </a:r>
+            <a:r>
+              <a:rPr lang="en-IN" dirty="0">
+                <a:solidFill>
+                  <a:srgbClr val="D4D4D4"/>
+                </a:solidFill>
+                <a:latin typeface="Consolas" panose="020B0609020204030204" pitchFamily="49" charset="0"/>
+              </a:rPr>
+              <a:t>);</a:t>
+            </a:r>
+          </a:p>
+          <a:p>
+            <a:r>
+              <a:rPr lang="en-IN" dirty="0">
+                <a:solidFill>
+                  <a:srgbClr val="D4D4D4"/>
+                </a:solidFill>
+                <a:latin typeface="Consolas" panose="020B0609020204030204" pitchFamily="49" charset="0"/>
+              </a:rPr>
+              <a:t>}</a:t>
+            </a:r>
+          </a:p>
+          <a:p>
+            <a:r>
+              <a:rPr lang="en-IN" dirty="0" err="1">
+                <a:solidFill>
+                  <a:srgbClr val="569CD6"/>
+                </a:solidFill>
+                <a:latin typeface="Consolas" panose="020B0609020204030204" pitchFamily="49" charset="0"/>
+              </a:rPr>
+              <a:t>var</a:t>
+            </a:r>
+            <a:r>
+              <a:rPr lang="en-IN" dirty="0">
+                <a:solidFill>
+                  <a:srgbClr val="D4D4D4"/>
+                </a:solidFill>
+                <a:latin typeface="Consolas" panose="020B0609020204030204" pitchFamily="49" charset="0"/>
+              </a:rPr>
+              <a:t> </a:t>
+            </a:r>
+            <a:r>
+              <a:rPr lang="en-IN" dirty="0">
+                <a:solidFill>
+                  <a:srgbClr val="DCDCAA"/>
+                </a:solidFill>
+                <a:latin typeface="Consolas" panose="020B0609020204030204" pitchFamily="49" charset="0"/>
+              </a:rPr>
+              <a:t>callPerson2</a:t>
+            </a:r>
+            <a:r>
+              <a:rPr lang="en-IN" dirty="0">
+                <a:solidFill>
+                  <a:srgbClr val="D4D4D4"/>
+                </a:solidFill>
+                <a:latin typeface="Consolas" panose="020B0609020204030204" pitchFamily="49" charset="0"/>
+              </a:rPr>
+              <a:t> = </a:t>
+            </a:r>
+            <a:r>
+              <a:rPr lang="en-IN" dirty="0">
+                <a:solidFill>
+                  <a:srgbClr val="569CD6"/>
+                </a:solidFill>
+                <a:latin typeface="Consolas" panose="020B0609020204030204" pitchFamily="49" charset="0"/>
+              </a:rPr>
+              <a:t>function</a:t>
+            </a:r>
+            <a:r>
+              <a:rPr lang="en-IN" dirty="0">
+                <a:solidFill>
+                  <a:srgbClr val="D4D4D4"/>
+                </a:solidFill>
+                <a:latin typeface="Consolas" panose="020B0609020204030204" pitchFamily="49" charset="0"/>
+              </a:rPr>
+              <a:t>(</a:t>
+            </a:r>
+            <a:r>
+              <a:rPr lang="en-IN" dirty="0" err="1">
+                <a:solidFill>
+                  <a:srgbClr val="9CDCFE"/>
+                </a:solidFill>
+                <a:latin typeface="Consolas" panose="020B0609020204030204" pitchFamily="49" charset="0"/>
+              </a:rPr>
+              <a:t>obj</a:t>
+            </a:r>
+            <a:r>
+              <a:rPr lang="en-IN" dirty="0">
+                <a:solidFill>
+                  <a:srgbClr val="D4D4D4"/>
+                </a:solidFill>
+                <a:latin typeface="Consolas" panose="020B0609020204030204" pitchFamily="49" charset="0"/>
+              </a:rPr>
+              <a:t>) {</a:t>
+            </a:r>
+          </a:p>
+          <a:p>
+            <a:r>
+              <a:rPr lang="en-IN" dirty="0">
+                <a:solidFill>
+                  <a:srgbClr val="4EC9B0"/>
+                </a:solidFill>
+                <a:latin typeface="Consolas" panose="020B0609020204030204" pitchFamily="49" charset="0"/>
+              </a:rPr>
+              <a:t>console</a:t>
+            </a:r>
+            <a:r>
+              <a:rPr lang="en-IN" dirty="0">
+                <a:solidFill>
+                  <a:srgbClr val="D4D4D4"/>
+                </a:solidFill>
+                <a:latin typeface="Consolas" panose="020B0609020204030204" pitchFamily="49" charset="0"/>
+              </a:rPr>
+              <a:t>.</a:t>
+            </a:r>
+            <a:r>
+              <a:rPr lang="en-IN" dirty="0">
+                <a:solidFill>
+                  <a:srgbClr val="DCDCAA"/>
+                </a:solidFill>
+                <a:latin typeface="Consolas" panose="020B0609020204030204" pitchFamily="49" charset="0"/>
+              </a:rPr>
+              <a:t>log</a:t>
+            </a:r>
+            <a:r>
+              <a:rPr lang="en-IN" dirty="0">
+                <a:solidFill>
+                  <a:srgbClr val="D4D4D4"/>
+                </a:solidFill>
+                <a:latin typeface="Consolas" panose="020B0609020204030204" pitchFamily="49" charset="0"/>
+              </a:rPr>
+              <a:t>(</a:t>
+            </a:r>
+            <a:r>
+              <a:rPr lang="en-IN" dirty="0">
+                <a:solidFill>
+                  <a:srgbClr val="CE9178"/>
+                </a:solidFill>
+                <a:latin typeface="Consolas" panose="020B0609020204030204" pitchFamily="49" charset="0"/>
+              </a:rPr>
+              <a:t>"callPerson2 </a:t>
+            </a:r>
+            <a:r>
+              <a:rPr lang="en-IN" dirty="0" err="1">
+                <a:solidFill>
+                  <a:srgbClr val="CE9178"/>
+                </a:solidFill>
+                <a:latin typeface="Consolas" panose="020B0609020204030204" pitchFamily="49" charset="0"/>
+              </a:rPr>
+              <a:t>firstName</a:t>
+            </a:r>
+            <a:r>
+              <a:rPr lang="en-IN" dirty="0">
+                <a:solidFill>
+                  <a:srgbClr val="CE9178"/>
+                </a:solidFill>
+                <a:latin typeface="Consolas" panose="020B0609020204030204" pitchFamily="49" charset="0"/>
+              </a:rPr>
+              <a:t>: "</a:t>
+            </a:r>
+            <a:r>
+              <a:rPr lang="en-IN" dirty="0">
+                <a:solidFill>
+                  <a:srgbClr val="D4D4D4"/>
+                </a:solidFill>
+                <a:latin typeface="Consolas" panose="020B0609020204030204" pitchFamily="49" charset="0"/>
+              </a:rPr>
+              <a:t>+ </a:t>
+            </a:r>
+            <a:r>
+              <a:rPr lang="en-IN" dirty="0" err="1">
+                <a:solidFill>
+                  <a:srgbClr val="9CDCFE"/>
+                </a:solidFill>
+                <a:latin typeface="Consolas" panose="020B0609020204030204" pitchFamily="49" charset="0"/>
+              </a:rPr>
+              <a:t>obj</a:t>
+            </a:r>
+            <a:r>
+              <a:rPr lang="en-IN" dirty="0" err="1">
+                <a:solidFill>
+                  <a:srgbClr val="D4D4D4"/>
+                </a:solidFill>
+                <a:latin typeface="Consolas" panose="020B0609020204030204" pitchFamily="49" charset="0"/>
+              </a:rPr>
+              <a:t>.</a:t>
+            </a:r>
+            <a:r>
+              <a:rPr lang="en-IN" dirty="0" err="1">
+                <a:solidFill>
+                  <a:srgbClr val="9CDCFE"/>
+                </a:solidFill>
+                <a:latin typeface="Consolas" panose="020B0609020204030204" pitchFamily="49" charset="0"/>
+              </a:rPr>
+              <a:t>firstName</a:t>
+            </a:r>
+            <a:r>
+              <a:rPr lang="en-IN" dirty="0">
+                <a:solidFill>
+                  <a:srgbClr val="D4D4D4"/>
+                </a:solidFill>
+                <a:latin typeface="Consolas" panose="020B0609020204030204" pitchFamily="49" charset="0"/>
+              </a:rPr>
+              <a:t>);</a:t>
+            </a:r>
+          </a:p>
+          <a:p>
+            <a:r>
+              <a:rPr lang="en-IN" dirty="0">
+                <a:solidFill>
+                  <a:srgbClr val="4EC9B0"/>
+                </a:solidFill>
+                <a:latin typeface="Consolas" panose="020B0609020204030204" pitchFamily="49" charset="0"/>
+              </a:rPr>
+              <a:t>console</a:t>
+            </a:r>
+            <a:r>
+              <a:rPr lang="en-IN" dirty="0">
+                <a:solidFill>
+                  <a:srgbClr val="D4D4D4"/>
+                </a:solidFill>
+                <a:latin typeface="Consolas" panose="020B0609020204030204" pitchFamily="49" charset="0"/>
+              </a:rPr>
+              <a:t>.</a:t>
+            </a:r>
+            <a:r>
+              <a:rPr lang="en-IN" dirty="0">
+                <a:solidFill>
+                  <a:srgbClr val="DCDCAA"/>
+                </a:solidFill>
+                <a:latin typeface="Consolas" panose="020B0609020204030204" pitchFamily="49" charset="0"/>
+              </a:rPr>
+              <a:t>log</a:t>
+            </a:r>
+            <a:r>
+              <a:rPr lang="en-IN" dirty="0">
+                <a:solidFill>
+                  <a:srgbClr val="D4D4D4"/>
+                </a:solidFill>
+                <a:latin typeface="Consolas" panose="020B0609020204030204" pitchFamily="49" charset="0"/>
+              </a:rPr>
+              <a:t>(</a:t>
+            </a:r>
+            <a:r>
+              <a:rPr lang="en-IN" dirty="0">
+                <a:solidFill>
+                  <a:srgbClr val="CE9178"/>
+                </a:solidFill>
+                <a:latin typeface="Consolas" panose="020B0609020204030204" pitchFamily="49" charset="0"/>
+              </a:rPr>
+              <a:t>"callPerson2 </a:t>
+            </a:r>
+            <a:r>
+              <a:rPr lang="en-IN" dirty="0" err="1">
+                <a:solidFill>
+                  <a:srgbClr val="CE9178"/>
+                </a:solidFill>
+                <a:latin typeface="Consolas" panose="020B0609020204030204" pitchFamily="49" charset="0"/>
+              </a:rPr>
+              <a:t>lastName</a:t>
+            </a:r>
+            <a:r>
+              <a:rPr lang="en-IN" dirty="0">
+                <a:solidFill>
+                  <a:srgbClr val="CE9178"/>
+                </a:solidFill>
+                <a:latin typeface="Consolas" panose="020B0609020204030204" pitchFamily="49" charset="0"/>
+              </a:rPr>
+              <a:t>: "</a:t>
+            </a:r>
+            <a:r>
+              <a:rPr lang="en-IN" dirty="0">
+                <a:solidFill>
+                  <a:srgbClr val="D4D4D4"/>
+                </a:solidFill>
+                <a:latin typeface="Consolas" panose="020B0609020204030204" pitchFamily="49" charset="0"/>
+              </a:rPr>
+              <a:t>+ </a:t>
+            </a:r>
+            <a:r>
+              <a:rPr lang="en-IN" dirty="0" err="1">
+                <a:solidFill>
+                  <a:srgbClr val="9CDCFE"/>
+                </a:solidFill>
+                <a:latin typeface="Consolas" panose="020B0609020204030204" pitchFamily="49" charset="0"/>
+              </a:rPr>
+              <a:t>obj</a:t>
+            </a:r>
+            <a:r>
+              <a:rPr lang="en-IN" dirty="0" err="1">
+                <a:solidFill>
+                  <a:srgbClr val="D4D4D4"/>
+                </a:solidFill>
+                <a:latin typeface="Consolas" panose="020B0609020204030204" pitchFamily="49" charset="0"/>
+              </a:rPr>
+              <a:t>.</a:t>
+            </a:r>
+            <a:r>
+              <a:rPr lang="en-IN" dirty="0" err="1">
+                <a:solidFill>
+                  <a:srgbClr val="9CDCFE"/>
+                </a:solidFill>
+                <a:latin typeface="Consolas" panose="020B0609020204030204" pitchFamily="49" charset="0"/>
+              </a:rPr>
+              <a:t>lastName</a:t>
+            </a:r>
+            <a:r>
+              <a:rPr lang="en-IN" dirty="0">
+                <a:solidFill>
+                  <a:srgbClr val="D4D4D4"/>
+                </a:solidFill>
+                <a:latin typeface="Consolas" panose="020B0609020204030204" pitchFamily="49" charset="0"/>
+              </a:rPr>
+              <a:t>);</a:t>
+            </a:r>
+          </a:p>
+          <a:p>
+            <a:r>
+              <a:rPr lang="en-IN" dirty="0">
+                <a:solidFill>
+                  <a:srgbClr val="D4D4D4"/>
+                </a:solidFill>
+                <a:latin typeface="Consolas" panose="020B0609020204030204" pitchFamily="49" charset="0"/>
+              </a:rPr>
+              <a:t>}</a:t>
+            </a:r>
+          </a:p>
+          <a:p>
+            <a:r>
+              <a:rPr lang="en-IN" dirty="0">
+                <a:solidFill>
+                  <a:srgbClr val="D4D4D4"/>
+                </a:solidFill>
+                <a:latin typeface="Consolas" panose="020B0609020204030204" pitchFamily="49" charset="0"/>
+              </a:rPr>
+              <a:t/>
+            </a:r>
+            <a:br>
+              <a:rPr lang="en-IN" dirty="0">
+                <a:solidFill>
+                  <a:srgbClr val="D4D4D4"/>
+                </a:solidFill>
+                <a:latin typeface="Consolas" panose="020B0609020204030204" pitchFamily="49" charset="0"/>
+              </a:rPr>
+            </a:br>
+            <a:r>
+              <a:rPr lang="en-IN" dirty="0" err="1">
+                <a:solidFill>
+                  <a:srgbClr val="DCDCAA"/>
+                </a:solidFill>
+                <a:latin typeface="Consolas" panose="020B0609020204030204" pitchFamily="49" charset="0"/>
+              </a:rPr>
+              <a:t>callPerson</a:t>
+            </a:r>
+            <a:r>
+              <a:rPr lang="en-IN" dirty="0">
+                <a:solidFill>
+                  <a:srgbClr val="D4D4D4"/>
+                </a:solidFill>
+                <a:latin typeface="Consolas" panose="020B0609020204030204" pitchFamily="49" charset="0"/>
+              </a:rPr>
+              <a:t>(</a:t>
+            </a:r>
+            <a:r>
+              <a:rPr lang="en-IN" dirty="0">
+                <a:solidFill>
+                  <a:srgbClr val="9CDCFE"/>
+                </a:solidFill>
+                <a:latin typeface="Consolas" panose="020B0609020204030204" pitchFamily="49" charset="0"/>
+              </a:rPr>
+              <a:t>person2</a:t>
+            </a:r>
+            <a:r>
+              <a:rPr lang="en-IN" dirty="0">
+                <a:solidFill>
+                  <a:srgbClr val="D4D4D4"/>
+                </a:solidFill>
+                <a:latin typeface="Consolas" panose="020B0609020204030204" pitchFamily="49" charset="0"/>
+              </a:rPr>
+              <a:t>);</a:t>
+            </a:r>
+          </a:p>
+          <a:p>
+            <a:r>
+              <a:rPr lang="en-IN" dirty="0">
+                <a:solidFill>
+                  <a:srgbClr val="DCDCAA"/>
+                </a:solidFill>
+                <a:latin typeface="Consolas" panose="020B0609020204030204" pitchFamily="49" charset="0"/>
+              </a:rPr>
+              <a:t>callPerson2</a:t>
+            </a:r>
+            <a:r>
+              <a:rPr lang="en-IN" dirty="0">
+                <a:solidFill>
+                  <a:srgbClr val="D4D4D4"/>
+                </a:solidFill>
+                <a:latin typeface="Consolas" panose="020B0609020204030204" pitchFamily="49" charset="0"/>
+              </a:rPr>
+              <a:t>(</a:t>
+            </a:r>
+            <a:r>
+              <a:rPr lang="en-IN" dirty="0">
+                <a:solidFill>
+                  <a:srgbClr val="9CDCFE"/>
+                </a:solidFill>
+                <a:latin typeface="Consolas" panose="020B0609020204030204" pitchFamily="49" charset="0"/>
+              </a:rPr>
+              <a:t>person2</a:t>
+            </a:r>
+            <a:r>
+              <a:rPr lang="en-IN" dirty="0">
+                <a:solidFill>
+                  <a:srgbClr val="D4D4D4"/>
+                </a:solidFill>
+                <a:latin typeface="Consolas" panose="020B0609020204030204" pitchFamily="49" charset="0"/>
+              </a:rPr>
+              <a:t>);</a:t>
+            </a:r>
+            <a:endParaRPr lang="en-IN" dirty="0">
+              <a:solidFill>
+                <a:srgbClr val="D4D4D4"/>
+              </a:solidFill>
+              <a:latin typeface="Consolas" panose="020B0609020204030204" pitchFamily="49" charset="0"/>
+            </a:endParaRPr>
+          </a:p>
+        </p:txBody>
+      </p:sp>
+      <p:sp>
+        <p:nvSpPr>
+          <p:cNvPr id="7" name="Rectangle 6"/>
+          <p:cNvSpPr/>
+          <p:nvPr/>
+        </p:nvSpPr>
+        <p:spPr>
+          <a:xfrm>
+            <a:off x="8453720" y="1921132"/>
+            <a:ext cx="3567951" cy="2062103"/>
+          </a:xfrm>
+          <a:prstGeom prst="rect">
+            <a:avLst/>
+          </a:prstGeom>
+          <a:solidFill>
+            <a:schemeClr val="accent2">
+              <a:lumMod val="20000"/>
+              <a:lumOff val="80000"/>
+            </a:schemeClr>
+          </a:solidFill>
+        </p:spPr>
+        <p:txBody>
+          <a:bodyPr wrap="square">
+            <a:spAutoFit/>
+          </a:bodyPr>
+          <a:lstStyle/>
+          <a:p>
+            <a:r>
+              <a:rPr lang="en-IN" sz="1600" dirty="0"/>
+              <a:t>PS D:\Angular\Typescript\TS_WK&gt; </a:t>
+            </a:r>
+            <a:r>
+              <a:rPr lang="en-IN" sz="1600" dirty="0" err="1"/>
+              <a:t>tsc</a:t>
+            </a:r>
+            <a:r>
+              <a:rPr lang="en-IN" sz="1600" dirty="0"/>
+              <a:t> </a:t>
+            </a:r>
+            <a:r>
+              <a:rPr lang="en-IN" sz="1600" dirty="0" err="1" smtClean="0"/>
+              <a:t>object</a:t>
+            </a:r>
+            <a:r>
+              <a:rPr lang="en-IN" sz="1600" dirty="0" err="1" smtClean="0"/>
+              <a:t>.ts</a:t>
+            </a:r>
+            <a:endParaRPr lang="en-IN" sz="1600" dirty="0"/>
+          </a:p>
+          <a:p>
+            <a:r>
+              <a:rPr lang="en-IN" sz="1600" dirty="0"/>
+              <a:t>PS D:\Angular\Typescript\TS_WK&gt; node </a:t>
+            </a:r>
+            <a:r>
+              <a:rPr lang="en-IN" sz="1600" dirty="0" smtClean="0"/>
+              <a:t>object</a:t>
+            </a:r>
+            <a:r>
+              <a:rPr lang="en-IN" sz="1600" dirty="0" smtClean="0"/>
+              <a:t>.js</a:t>
+            </a:r>
+            <a:endParaRPr lang="en-IN" sz="1600" dirty="0"/>
+          </a:p>
+          <a:p>
+            <a:r>
+              <a:rPr lang="en-IN" sz="1600" b="1" dirty="0" err="1"/>
+              <a:t>callPerson</a:t>
+            </a:r>
+            <a:r>
+              <a:rPr lang="en-IN" sz="1600" b="1" dirty="0"/>
+              <a:t> </a:t>
+            </a:r>
+            <a:r>
+              <a:rPr lang="en-IN" sz="1600" b="1" dirty="0" err="1"/>
+              <a:t>firstName</a:t>
+            </a:r>
+            <a:r>
+              <a:rPr lang="en-IN" sz="1600" b="1" dirty="0"/>
+              <a:t>: Monicka</a:t>
+            </a:r>
+          </a:p>
+          <a:p>
+            <a:r>
+              <a:rPr lang="en-IN" sz="1600" b="1" dirty="0" err="1"/>
+              <a:t>callPerson</a:t>
+            </a:r>
+            <a:r>
+              <a:rPr lang="en-IN" sz="1600" b="1" dirty="0"/>
+              <a:t> </a:t>
+            </a:r>
+            <a:r>
+              <a:rPr lang="en-IN" sz="1600" b="1" dirty="0" err="1"/>
+              <a:t>lastName</a:t>
+            </a:r>
+            <a:r>
+              <a:rPr lang="en-IN" sz="1600" b="1" dirty="0"/>
+              <a:t>: Akilan</a:t>
+            </a:r>
+          </a:p>
+          <a:p>
+            <a:r>
+              <a:rPr lang="en-IN" sz="1600" b="1" dirty="0"/>
+              <a:t>callPerson2 </a:t>
+            </a:r>
+            <a:r>
+              <a:rPr lang="en-IN" sz="1600" b="1" dirty="0" err="1"/>
+              <a:t>firstName</a:t>
+            </a:r>
+            <a:r>
+              <a:rPr lang="en-IN" sz="1600" b="1" dirty="0"/>
+              <a:t>: Monicka</a:t>
+            </a:r>
+          </a:p>
+          <a:p>
+            <a:r>
+              <a:rPr lang="en-IN" sz="1600" b="1" dirty="0"/>
+              <a:t>callPerson2 </a:t>
+            </a:r>
+            <a:r>
+              <a:rPr lang="en-IN" sz="1600" b="1" dirty="0" err="1"/>
+              <a:t>lastName</a:t>
+            </a:r>
+            <a:r>
+              <a:rPr lang="en-IN" sz="1600" b="1" dirty="0"/>
+              <a:t>: Akilan</a:t>
+            </a:r>
+            <a:endParaRPr lang="en-IN" sz="1600" b="1" dirty="0"/>
+          </a:p>
+        </p:txBody>
+      </p:sp>
+      <p:sp>
+        <p:nvSpPr>
+          <p:cNvPr id="5" name="Rectangle 4"/>
+          <p:cNvSpPr/>
+          <p:nvPr/>
+        </p:nvSpPr>
+        <p:spPr>
+          <a:xfrm>
+            <a:off x="3048000" y="751344"/>
+            <a:ext cx="6096000" cy="369332"/>
+          </a:xfrm>
+          <a:prstGeom prst="rect">
+            <a:avLst/>
+          </a:prstGeom>
+        </p:spPr>
+        <p:txBody>
+          <a:bodyPr>
+            <a:spAutoFit/>
+          </a:bodyPr>
+          <a:lstStyle/>
+          <a:p>
+            <a:endParaRPr lang="en-IN" b="0" dirty="0">
+              <a:solidFill>
+                <a:srgbClr val="D4D4D4"/>
+              </a:solidFill>
+              <a:effectLst/>
+              <a:latin typeface="Consolas" panose="020B0609020204030204" pitchFamily="49" charset="0"/>
+            </a:endParaRPr>
+          </a:p>
+        </p:txBody>
+      </p:sp>
+    </p:spTree>
+    <p:extLst>
+      <p:ext uri="{BB962C8B-B14F-4D97-AF65-F5344CB8AC3E}">
+        <p14:creationId xmlns:p14="http://schemas.microsoft.com/office/powerpoint/2010/main" val="2747295727"/>
+      </p:ext>
+    </p:extLst>
+  </p:cSld>
+  <p:clrMapOvr>
+    <a:masterClrMapping/>
+  </p:clrMapOvr>
+  <p:timing>
+    <p:tnLst>
+      <p:par>
+        <p:cTn id="1" dur="indefinite" restart="never" nodeType="tmRoot"/>
+      </p:par>
+    </p:tnLst>
+  </p:timing>
+</p:sld>
+</file>
+
+<file path=ppt/slides/slide25.xml><?xml version="1.0" encoding="utf-8"?>
+<p:sld xmlns:a="http://schemas.openxmlformats.org/drawingml/2006/main" xmlns:r="http://schemas.openxmlformats.org/officeDocument/2006/relationships" xmlns:p="http://schemas.openxmlformats.org/presentationml/2006/main">
+  <p:cSld>
+    <p:spTree>
+      <p:nvGrpSpPr>
+        <p:cNvPr id="1" name=""/>
+        <p:cNvGrpSpPr/>
+        <p:nvPr/>
+      </p:nvGrpSpPr>
+      <p:grpSpPr>
+        <a:xfrm>
+          <a:off x="0" y="0"/>
+          <a:ext cx="0" cy="0"/>
+          <a:chOff x="0" y="0"/>
+          <a:chExt cx="0" cy="0"/>
+        </a:xfrm>
+      </p:grpSpPr>
+      <p:sp>
+        <p:nvSpPr>
+          <p:cNvPr id="2" name="Title 1"/>
+          <p:cNvSpPr>
+            <a:spLocks noGrp="1"/>
+          </p:cNvSpPr>
+          <p:nvPr>
+            <p:ph type="title"/>
+          </p:nvPr>
+        </p:nvSpPr>
+        <p:spPr/>
+        <p:txBody>
+          <a:bodyPr/>
+          <a:lstStyle/>
+          <a:p>
+            <a:r>
+              <a:rPr lang="en-IN" b="1" dirty="0" smtClean="0"/>
+              <a:t>5</a:t>
+            </a:r>
+            <a:r>
+              <a:rPr lang="en-IN" b="1" dirty="0" smtClean="0"/>
+              <a:t>.3 </a:t>
+            </a:r>
+            <a:r>
+              <a:rPr lang="en-IN" b="1" dirty="0" smtClean="0"/>
+              <a:t>Anonymous</a:t>
+            </a:r>
+            <a:r>
+              <a:rPr lang="en-IN" dirty="0" smtClean="0"/>
+              <a:t> </a:t>
+            </a:r>
+            <a:r>
+              <a:rPr lang="en-IN" b="1" dirty="0" smtClean="0"/>
+              <a:t>object</a:t>
+            </a:r>
+            <a:endParaRPr lang="en-IN" b="1" dirty="0"/>
+          </a:p>
+        </p:txBody>
+      </p:sp>
+      <p:sp>
+        <p:nvSpPr>
+          <p:cNvPr id="9" name="Rectangle 8"/>
+          <p:cNvSpPr/>
+          <p:nvPr/>
+        </p:nvSpPr>
+        <p:spPr>
+          <a:xfrm>
+            <a:off x="439272" y="2057401"/>
+            <a:ext cx="6391834" cy="1815882"/>
+          </a:xfrm>
+          <a:prstGeom prst="rect">
+            <a:avLst/>
+          </a:prstGeom>
+          <a:solidFill>
+            <a:srgbClr val="002060"/>
+          </a:solidFill>
+        </p:spPr>
+        <p:txBody>
+          <a:bodyPr wrap="square">
+            <a:spAutoFit/>
+          </a:bodyPr>
+          <a:lstStyle/>
+          <a:p>
+            <a:r>
+              <a:rPr lang="en-IN" sz="1600" dirty="0">
+                <a:solidFill>
+                  <a:srgbClr val="6A9955"/>
+                </a:solidFill>
+                <a:latin typeface="Consolas" panose="020B0609020204030204" pitchFamily="49" charset="0"/>
+              </a:rPr>
+              <a:t>//Anonymous Objects</a:t>
+            </a:r>
+            <a:endParaRPr lang="en-IN" sz="1600" dirty="0">
+              <a:solidFill>
+                <a:srgbClr val="D4D4D4"/>
+              </a:solidFill>
+              <a:latin typeface="Consolas" panose="020B0609020204030204" pitchFamily="49" charset="0"/>
+            </a:endParaRPr>
+          </a:p>
+          <a:p>
+            <a:r>
+              <a:rPr lang="en-IN" sz="1600" dirty="0" err="1">
+                <a:solidFill>
+                  <a:srgbClr val="569CD6"/>
+                </a:solidFill>
+                <a:latin typeface="Consolas" panose="020B0609020204030204" pitchFamily="49" charset="0"/>
+              </a:rPr>
+              <a:t>var</a:t>
+            </a:r>
+            <a:r>
+              <a:rPr lang="en-IN" sz="1600" dirty="0">
+                <a:solidFill>
+                  <a:srgbClr val="D4D4D4"/>
+                </a:solidFill>
+                <a:latin typeface="Consolas" panose="020B0609020204030204" pitchFamily="49" charset="0"/>
+              </a:rPr>
+              <a:t> </a:t>
+            </a:r>
+            <a:r>
+              <a:rPr lang="en-IN" sz="1600" dirty="0">
+                <a:solidFill>
+                  <a:srgbClr val="DCDCAA"/>
+                </a:solidFill>
+                <a:latin typeface="Consolas" panose="020B0609020204030204" pitchFamily="49" charset="0"/>
+              </a:rPr>
+              <a:t>callPerson3</a:t>
+            </a:r>
+            <a:r>
+              <a:rPr lang="en-IN" sz="1600" dirty="0">
+                <a:solidFill>
+                  <a:srgbClr val="D4D4D4"/>
+                </a:solidFill>
+                <a:latin typeface="Consolas" panose="020B0609020204030204" pitchFamily="49" charset="0"/>
+              </a:rPr>
+              <a:t> = </a:t>
+            </a:r>
+            <a:r>
+              <a:rPr lang="en-IN" sz="1600" dirty="0">
+                <a:solidFill>
+                  <a:srgbClr val="569CD6"/>
+                </a:solidFill>
+                <a:latin typeface="Consolas" panose="020B0609020204030204" pitchFamily="49" charset="0"/>
+              </a:rPr>
+              <a:t>function</a:t>
+            </a:r>
+            <a:r>
+              <a:rPr lang="en-IN" sz="1600" dirty="0">
+                <a:solidFill>
+                  <a:srgbClr val="D4D4D4"/>
+                </a:solidFill>
+                <a:latin typeface="Consolas" panose="020B0609020204030204" pitchFamily="49" charset="0"/>
+              </a:rPr>
+              <a:t>(</a:t>
+            </a:r>
+            <a:r>
+              <a:rPr lang="en-IN" sz="1600" dirty="0" err="1">
+                <a:solidFill>
+                  <a:srgbClr val="9CDCFE"/>
+                </a:solidFill>
+                <a:latin typeface="Consolas" panose="020B0609020204030204" pitchFamily="49" charset="0"/>
+              </a:rPr>
+              <a:t>obj</a:t>
+            </a:r>
+            <a:r>
+              <a:rPr lang="en-IN" sz="1600" dirty="0">
+                <a:solidFill>
+                  <a:srgbClr val="D4D4D4"/>
+                </a:solidFill>
+                <a:latin typeface="Consolas" panose="020B0609020204030204" pitchFamily="49" charset="0"/>
+              </a:rPr>
+              <a:t>:{</a:t>
+            </a:r>
+            <a:r>
+              <a:rPr lang="en-IN" sz="1600" dirty="0" err="1">
+                <a:solidFill>
+                  <a:srgbClr val="9CDCFE"/>
+                </a:solidFill>
+                <a:latin typeface="Consolas" panose="020B0609020204030204" pitchFamily="49" charset="0"/>
+              </a:rPr>
+              <a:t>firstName</a:t>
+            </a:r>
+            <a:r>
+              <a:rPr lang="en-IN" sz="1600" dirty="0" err="1">
+                <a:solidFill>
+                  <a:srgbClr val="D4D4D4"/>
+                </a:solidFill>
+                <a:latin typeface="Consolas" panose="020B0609020204030204" pitchFamily="49" charset="0"/>
+              </a:rPr>
+              <a:t>:</a:t>
+            </a:r>
+            <a:r>
+              <a:rPr lang="en-IN" sz="1600" dirty="0" err="1">
+                <a:solidFill>
+                  <a:srgbClr val="4EC9B0"/>
+                </a:solidFill>
+                <a:latin typeface="Consolas" panose="020B0609020204030204" pitchFamily="49" charset="0"/>
+              </a:rPr>
+              <a:t>string</a:t>
+            </a:r>
+            <a:r>
+              <a:rPr lang="en-IN" sz="1600" dirty="0">
+                <a:solidFill>
+                  <a:srgbClr val="D4D4D4"/>
+                </a:solidFill>
+                <a:latin typeface="Consolas" panose="020B0609020204030204" pitchFamily="49" charset="0"/>
+              </a:rPr>
+              <a:t>, </a:t>
+            </a:r>
+            <a:r>
+              <a:rPr lang="en-IN" sz="1600" dirty="0" err="1">
+                <a:solidFill>
+                  <a:srgbClr val="9CDCFE"/>
+                </a:solidFill>
+                <a:latin typeface="Consolas" panose="020B0609020204030204" pitchFamily="49" charset="0"/>
+              </a:rPr>
+              <a:t>lastName</a:t>
+            </a:r>
+            <a:r>
+              <a:rPr lang="en-IN" sz="1600" dirty="0" err="1">
+                <a:solidFill>
+                  <a:srgbClr val="D4D4D4"/>
+                </a:solidFill>
+                <a:latin typeface="Consolas" panose="020B0609020204030204" pitchFamily="49" charset="0"/>
+              </a:rPr>
+              <a:t>:</a:t>
+            </a:r>
+            <a:r>
+              <a:rPr lang="en-IN" sz="1600" dirty="0" err="1">
+                <a:solidFill>
+                  <a:srgbClr val="4EC9B0"/>
+                </a:solidFill>
+                <a:latin typeface="Consolas" panose="020B0609020204030204" pitchFamily="49" charset="0"/>
+              </a:rPr>
+              <a:t>string</a:t>
+            </a:r>
+            <a:r>
+              <a:rPr lang="en-IN" sz="1600" dirty="0">
+                <a:solidFill>
+                  <a:srgbClr val="D4D4D4"/>
+                </a:solidFill>
+                <a:latin typeface="Consolas" panose="020B0609020204030204" pitchFamily="49" charset="0"/>
+              </a:rPr>
+              <a:t>}) {</a:t>
+            </a:r>
+          </a:p>
+          <a:p>
+            <a:r>
+              <a:rPr lang="en-IN" sz="1600" dirty="0">
+                <a:solidFill>
+                  <a:srgbClr val="4EC9B0"/>
+                </a:solidFill>
+                <a:latin typeface="Consolas" panose="020B0609020204030204" pitchFamily="49" charset="0"/>
+              </a:rPr>
+              <a:t>console</a:t>
+            </a:r>
+            <a:r>
+              <a:rPr lang="en-IN" sz="1600" dirty="0">
+                <a:solidFill>
+                  <a:srgbClr val="D4D4D4"/>
+                </a:solidFill>
+                <a:latin typeface="Consolas" panose="020B0609020204030204" pitchFamily="49" charset="0"/>
+              </a:rPr>
+              <a:t>.</a:t>
+            </a:r>
+            <a:r>
+              <a:rPr lang="en-IN" sz="1600" dirty="0">
+                <a:solidFill>
+                  <a:srgbClr val="DCDCAA"/>
+                </a:solidFill>
+                <a:latin typeface="Consolas" panose="020B0609020204030204" pitchFamily="49" charset="0"/>
+              </a:rPr>
+              <a:t>log</a:t>
+            </a:r>
+            <a:r>
+              <a:rPr lang="en-IN" sz="1600" dirty="0">
+                <a:solidFill>
+                  <a:srgbClr val="D4D4D4"/>
+                </a:solidFill>
+                <a:latin typeface="Consolas" panose="020B0609020204030204" pitchFamily="49" charset="0"/>
+              </a:rPr>
+              <a:t>(</a:t>
+            </a:r>
+            <a:r>
+              <a:rPr lang="en-IN" sz="1600" dirty="0">
+                <a:solidFill>
+                  <a:srgbClr val="CE9178"/>
+                </a:solidFill>
+                <a:latin typeface="Consolas" panose="020B0609020204030204" pitchFamily="49" charset="0"/>
+              </a:rPr>
+              <a:t>"callPerson3 </a:t>
+            </a:r>
+            <a:r>
+              <a:rPr lang="en-IN" sz="1600" dirty="0" err="1">
+                <a:solidFill>
+                  <a:srgbClr val="CE9178"/>
+                </a:solidFill>
+                <a:latin typeface="Consolas" panose="020B0609020204030204" pitchFamily="49" charset="0"/>
+              </a:rPr>
+              <a:t>firstName</a:t>
+            </a:r>
+            <a:r>
+              <a:rPr lang="en-IN" sz="1600" dirty="0">
+                <a:solidFill>
+                  <a:srgbClr val="CE9178"/>
+                </a:solidFill>
+                <a:latin typeface="Consolas" panose="020B0609020204030204" pitchFamily="49" charset="0"/>
+              </a:rPr>
+              <a:t>: "</a:t>
+            </a:r>
+            <a:r>
+              <a:rPr lang="en-IN" sz="1600" dirty="0">
+                <a:solidFill>
+                  <a:srgbClr val="D4D4D4"/>
+                </a:solidFill>
+                <a:latin typeface="Consolas" panose="020B0609020204030204" pitchFamily="49" charset="0"/>
+              </a:rPr>
+              <a:t>+ </a:t>
+            </a:r>
+            <a:r>
+              <a:rPr lang="en-IN" sz="1600" dirty="0" err="1">
+                <a:solidFill>
+                  <a:srgbClr val="9CDCFE"/>
+                </a:solidFill>
+                <a:latin typeface="Consolas" panose="020B0609020204030204" pitchFamily="49" charset="0"/>
+              </a:rPr>
+              <a:t>obj</a:t>
+            </a:r>
+            <a:r>
+              <a:rPr lang="en-IN" sz="1600" dirty="0" err="1">
+                <a:solidFill>
+                  <a:srgbClr val="D4D4D4"/>
+                </a:solidFill>
+                <a:latin typeface="Consolas" panose="020B0609020204030204" pitchFamily="49" charset="0"/>
+              </a:rPr>
+              <a:t>.</a:t>
+            </a:r>
+            <a:r>
+              <a:rPr lang="en-IN" sz="1600" dirty="0" err="1">
+                <a:solidFill>
+                  <a:srgbClr val="9CDCFE"/>
+                </a:solidFill>
+                <a:latin typeface="Consolas" panose="020B0609020204030204" pitchFamily="49" charset="0"/>
+              </a:rPr>
+              <a:t>firstName</a:t>
+            </a:r>
+            <a:r>
+              <a:rPr lang="en-IN" sz="1600" dirty="0">
+                <a:solidFill>
+                  <a:srgbClr val="D4D4D4"/>
+                </a:solidFill>
+                <a:latin typeface="Consolas" panose="020B0609020204030204" pitchFamily="49" charset="0"/>
+              </a:rPr>
+              <a:t>);</a:t>
+            </a:r>
+          </a:p>
+          <a:p>
+            <a:r>
+              <a:rPr lang="en-IN" sz="1600" dirty="0">
+                <a:solidFill>
+                  <a:srgbClr val="4EC9B0"/>
+                </a:solidFill>
+                <a:latin typeface="Consolas" panose="020B0609020204030204" pitchFamily="49" charset="0"/>
+              </a:rPr>
+              <a:t>console</a:t>
+            </a:r>
+            <a:r>
+              <a:rPr lang="en-IN" sz="1600" dirty="0">
+                <a:solidFill>
+                  <a:srgbClr val="D4D4D4"/>
+                </a:solidFill>
+                <a:latin typeface="Consolas" panose="020B0609020204030204" pitchFamily="49" charset="0"/>
+              </a:rPr>
+              <a:t>.</a:t>
+            </a:r>
+            <a:r>
+              <a:rPr lang="en-IN" sz="1600" dirty="0">
+                <a:solidFill>
+                  <a:srgbClr val="DCDCAA"/>
+                </a:solidFill>
+                <a:latin typeface="Consolas" panose="020B0609020204030204" pitchFamily="49" charset="0"/>
+              </a:rPr>
+              <a:t>log</a:t>
+            </a:r>
+            <a:r>
+              <a:rPr lang="en-IN" sz="1600" dirty="0">
+                <a:solidFill>
+                  <a:srgbClr val="D4D4D4"/>
+                </a:solidFill>
+                <a:latin typeface="Consolas" panose="020B0609020204030204" pitchFamily="49" charset="0"/>
+              </a:rPr>
+              <a:t>(</a:t>
+            </a:r>
+            <a:r>
+              <a:rPr lang="en-IN" sz="1600" dirty="0">
+                <a:solidFill>
+                  <a:srgbClr val="CE9178"/>
+                </a:solidFill>
+                <a:latin typeface="Consolas" panose="020B0609020204030204" pitchFamily="49" charset="0"/>
+              </a:rPr>
+              <a:t>"callPerson3 </a:t>
+            </a:r>
+            <a:r>
+              <a:rPr lang="en-IN" sz="1600" dirty="0" err="1">
+                <a:solidFill>
+                  <a:srgbClr val="CE9178"/>
+                </a:solidFill>
+                <a:latin typeface="Consolas" panose="020B0609020204030204" pitchFamily="49" charset="0"/>
+              </a:rPr>
+              <a:t>lastName</a:t>
+            </a:r>
+            <a:r>
+              <a:rPr lang="en-IN" sz="1600" dirty="0">
+                <a:solidFill>
+                  <a:srgbClr val="CE9178"/>
+                </a:solidFill>
+                <a:latin typeface="Consolas" panose="020B0609020204030204" pitchFamily="49" charset="0"/>
+              </a:rPr>
+              <a:t>: "</a:t>
+            </a:r>
+            <a:r>
+              <a:rPr lang="en-IN" sz="1600" dirty="0">
+                <a:solidFill>
+                  <a:srgbClr val="D4D4D4"/>
+                </a:solidFill>
+                <a:latin typeface="Consolas" panose="020B0609020204030204" pitchFamily="49" charset="0"/>
+              </a:rPr>
+              <a:t>+ </a:t>
+            </a:r>
+            <a:r>
+              <a:rPr lang="en-IN" sz="1600" dirty="0" err="1">
+                <a:solidFill>
+                  <a:srgbClr val="9CDCFE"/>
+                </a:solidFill>
+                <a:latin typeface="Consolas" panose="020B0609020204030204" pitchFamily="49" charset="0"/>
+              </a:rPr>
+              <a:t>obj</a:t>
+            </a:r>
+            <a:r>
+              <a:rPr lang="en-IN" sz="1600" dirty="0" err="1">
+                <a:solidFill>
+                  <a:srgbClr val="D4D4D4"/>
+                </a:solidFill>
+                <a:latin typeface="Consolas" panose="020B0609020204030204" pitchFamily="49" charset="0"/>
+              </a:rPr>
+              <a:t>.</a:t>
+            </a:r>
+            <a:r>
+              <a:rPr lang="en-IN" sz="1600" dirty="0" err="1">
+                <a:solidFill>
+                  <a:srgbClr val="9CDCFE"/>
+                </a:solidFill>
+                <a:latin typeface="Consolas" panose="020B0609020204030204" pitchFamily="49" charset="0"/>
+              </a:rPr>
+              <a:t>lastName</a:t>
+            </a:r>
+            <a:r>
+              <a:rPr lang="en-IN" sz="1600" dirty="0">
+                <a:solidFill>
+                  <a:srgbClr val="D4D4D4"/>
+                </a:solidFill>
+                <a:latin typeface="Consolas" panose="020B0609020204030204" pitchFamily="49" charset="0"/>
+              </a:rPr>
+              <a:t>);</a:t>
+            </a:r>
+          </a:p>
+          <a:p>
+            <a:r>
+              <a:rPr lang="en-IN" sz="1600" dirty="0">
+                <a:solidFill>
+                  <a:srgbClr val="D4D4D4"/>
+                </a:solidFill>
+                <a:latin typeface="Consolas" panose="020B0609020204030204" pitchFamily="49" charset="0"/>
+              </a:rPr>
+              <a:t>}</a:t>
+            </a:r>
+          </a:p>
+          <a:p>
+            <a:r>
+              <a:rPr lang="en-IN" sz="1600" dirty="0">
+                <a:solidFill>
+                  <a:srgbClr val="DCDCAA"/>
+                </a:solidFill>
+                <a:latin typeface="Consolas" panose="020B0609020204030204" pitchFamily="49" charset="0"/>
+              </a:rPr>
+              <a:t>callPerson3</a:t>
+            </a:r>
+            <a:r>
+              <a:rPr lang="en-IN" sz="1600" dirty="0">
+                <a:solidFill>
+                  <a:srgbClr val="D4D4D4"/>
+                </a:solidFill>
+                <a:latin typeface="Consolas" panose="020B0609020204030204" pitchFamily="49" charset="0"/>
+              </a:rPr>
+              <a:t>({</a:t>
+            </a:r>
+            <a:r>
+              <a:rPr lang="en-IN" sz="1600" dirty="0" err="1">
+                <a:solidFill>
+                  <a:srgbClr val="9CDCFE"/>
+                </a:solidFill>
+                <a:latin typeface="Consolas" panose="020B0609020204030204" pitchFamily="49" charset="0"/>
+              </a:rPr>
+              <a:t>firstName</a:t>
+            </a:r>
+            <a:r>
+              <a:rPr lang="en-IN" sz="1600" dirty="0">
+                <a:solidFill>
+                  <a:srgbClr val="9CDCFE"/>
+                </a:solidFill>
+                <a:latin typeface="Consolas" panose="020B0609020204030204" pitchFamily="49" charset="0"/>
+              </a:rPr>
+              <a:t>:</a:t>
+            </a:r>
+            <a:r>
+              <a:rPr lang="en-IN" sz="1600" dirty="0">
+                <a:solidFill>
+                  <a:srgbClr val="CE9178"/>
+                </a:solidFill>
+                <a:latin typeface="Consolas" panose="020B0609020204030204" pitchFamily="49" charset="0"/>
+              </a:rPr>
+              <a:t>"Monicka"</a:t>
+            </a:r>
+            <a:r>
+              <a:rPr lang="en-IN" sz="1600" dirty="0">
+                <a:solidFill>
+                  <a:srgbClr val="D4D4D4"/>
+                </a:solidFill>
+                <a:latin typeface="Consolas" panose="020B0609020204030204" pitchFamily="49" charset="0"/>
+              </a:rPr>
+              <a:t>, </a:t>
+            </a:r>
+            <a:r>
+              <a:rPr lang="en-IN" sz="1600" dirty="0" err="1">
+                <a:solidFill>
+                  <a:srgbClr val="9CDCFE"/>
+                </a:solidFill>
+                <a:latin typeface="Consolas" panose="020B0609020204030204" pitchFamily="49" charset="0"/>
+              </a:rPr>
+              <a:t>lastName</a:t>
+            </a:r>
+            <a:r>
+              <a:rPr lang="en-IN" sz="1600" dirty="0">
+                <a:solidFill>
+                  <a:srgbClr val="9CDCFE"/>
+                </a:solidFill>
+                <a:latin typeface="Consolas" panose="020B0609020204030204" pitchFamily="49" charset="0"/>
+              </a:rPr>
+              <a:t>:</a:t>
+            </a:r>
+            <a:r>
+              <a:rPr lang="en-IN" sz="1600" dirty="0">
+                <a:solidFill>
+                  <a:srgbClr val="CE9178"/>
+                </a:solidFill>
+                <a:latin typeface="Consolas" panose="020B0609020204030204" pitchFamily="49" charset="0"/>
+              </a:rPr>
+              <a:t>"Akilan"</a:t>
+            </a:r>
+            <a:r>
+              <a:rPr lang="en-IN" sz="1600" dirty="0">
+                <a:solidFill>
+                  <a:srgbClr val="D4D4D4"/>
+                </a:solidFill>
+                <a:latin typeface="Consolas" panose="020B0609020204030204" pitchFamily="49" charset="0"/>
+              </a:rPr>
+              <a:t>});</a:t>
+            </a:r>
+            <a:endParaRPr lang="en-IN" sz="1600" dirty="0">
+              <a:solidFill>
+                <a:srgbClr val="D4D4D4"/>
+              </a:solidFill>
+              <a:latin typeface="Consolas" panose="020B0609020204030204" pitchFamily="49" charset="0"/>
+            </a:endParaRPr>
+          </a:p>
+        </p:txBody>
+      </p:sp>
+      <p:sp>
+        <p:nvSpPr>
+          <p:cNvPr id="7" name="Rectangle 6"/>
+          <p:cNvSpPr/>
+          <p:nvPr/>
+        </p:nvSpPr>
+        <p:spPr>
+          <a:xfrm>
+            <a:off x="439272" y="4089093"/>
+            <a:ext cx="5168152" cy="1077218"/>
+          </a:xfrm>
+          <a:prstGeom prst="rect">
+            <a:avLst/>
+          </a:prstGeom>
+          <a:solidFill>
+            <a:schemeClr val="accent2">
+              <a:lumMod val="20000"/>
+              <a:lumOff val="80000"/>
+            </a:schemeClr>
+          </a:solidFill>
+        </p:spPr>
+        <p:txBody>
+          <a:bodyPr wrap="square">
+            <a:spAutoFit/>
+          </a:bodyPr>
+          <a:lstStyle/>
+          <a:p>
+            <a:r>
+              <a:rPr lang="en-IN" sz="1600" dirty="0"/>
+              <a:t>PS D:\Angular\Typescript\TS_WK&gt; </a:t>
+            </a:r>
+            <a:r>
+              <a:rPr lang="en-IN" sz="1600" dirty="0" err="1"/>
+              <a:t>tsc</a:t>
+            </a:r>
+            <a:r>
+              <a:rPr lang="en-IN" sz="1600" dirty="0"/>
+              <a:t> </a:t>
+            </a:r>
+            <a:r>
+              <a:rPr lang="en-IN" sz="1600" dirty="0" err="1" smtClean="0"/>
+              <a:t>object</a:t>
+            </a:r>
+            <a:r>
+              <a:rPr lang="en-IN" sz="1600" dirty="0" err="1" smtClean="0"/>
+              <a:t>.ts</a:t>
+            </a:r>
+            <a:endParaRPr lang="en-IN" sz="1600" dirty="0"/>
+          </a:p>
+          <a:p>
+            <a:r>
+              <a:rPr lang="en-IN" sz="1600" dirty="0"/>
+              <a:t>PS D:\Angular\Typescript\TS_WK&gt; node </a:t>
+            </a:r>
+            <a:r>
+              <a:rPr lang="en-IN" sz="1600" dirty="0" smtClean="0"/>
+              <a:t>object</a:t>
+            </a:r>
+            <a:r>
+              <a:rPr lang="en-IN" sz="1600" dirty="0" smtClean="0"/>
+              <a:t>.js</a:t>
+            </a:r>
+            <a:endParaRPr lang="en-IN" sz="1600" dirty="0"/>
+          </a:p>
+          <a:p>
+            <a:r>
+              <a:rPr lang="en-IN" sz="1600" b="1" dirty="0"/>
+              <a:t>callPerson3 </a:t>
+            </a:r>
+            <a:r>
+              <a:rPr lang="en-IN" sz="1600" b="1" dirty="0" err="1"/>
+              <a:t>firstName</a:t>
+            </a:r>
+            <a:r>
+              <a:rPr lang="en-IN" sz="1600" b="1" dirty="0"/>
+              <a:t>: Monicka</a:t>
+            </a:r>
+          </a:p>
+          <a:p>
+            <a:r>
+              <a:rPr lang="en-IN" sz="1600" b="1" dirty="0"/>
+              <a:t>callPerson3 </a:t>
+            </a:r>
+            <a:r>
+              <a:rPr lang="en-IN" sz="1600" b="1" dirty="0" err="1"/>
+              <a:t>lastName</a:t>
+            </a:r>
+            <a:r>
+              <a:rPr lang="en-IN" sz="1600" b="1" dirty="0"/>
+              <a:t>: Akilan</a:t>
+            </a:r>
+            <a:endParaRPr lang="en-IN" sz="1600" b="1" dirty="0"/>
+          </a:p>
+        </p:txBody>
+      </p:sp>
+      <p:sp>
+        <p:nvSpPr>
+          <p:cNvPr id="5" name="Rectangle 4"/>
+          <p:cNvSpPr/>
+          <p:nvPr/>
+        </p:nvSpPr>
+        <p:spPr>
+          <a:xfrm>
+            <a:off x="3048000" y="751344"/>
+            <a:ext cx="6096000" cy="369332"/>
+          </a:xfrm>
+          <a:prstGeom prst="rect">
+            <a:avLst/>
+          </a:prstGeom>
+        </p:spPr>
+        <p:txBody>
+          <a:bodyPr>
+            <a:spAutoFit/>
+          </a:bodyPr>
+          <a:lstStyle/>
+          <a:p>
+            <a:endParaRPr lang="en-IN" b="0" dirty="0">
+              <a:solidFill>
+                <a:srgbClr val="D4D4D4"/>
+              </a:solidFill>
+              <a:effectLst/>
+              <a:latin typeface="Consolas" panose="020B0609020204030204" pitchFamily="49" charset="0"/>
+            </a:endParaRPr>
+          </a:p>
+        </p:txBody>
+      </p:sp>
+    </p:spTree>
+    <p:extLst>
+      <p:ext uri="{BB962C8B-B14F-4D97-AF65-F5344CB8AC3E}">
+        <p14:creationId xmlns:p14="http://schemas.microsoft.com/office/powerpoint/2010/main" val="3071772377"/>
+      </p:ext>
+    </p:extLst>
+  </p:cSld>
+  <p:clrMapOvr>
+    <a:masterClrMapping/>
+  </p:clrMapOvr>
+  <p:timing>
+    <p:tnLst>
+      <p:par>
+        <p:cTn id="1" dur="indefinite" restart="never" nodeType="tmRoot"/>
+      </p:par>
+    </p:tnLst>
+  </p:timing>
+</p:sld>
+</file>
+
+<file path=ppt/slides/slide26.xml><?xml version="1.0" encoding="utf-8"?>
+<p:sld xmlns:a="http://schemas.openxmlformats.org/drawingml/2006/main" xmlns:r="http://schemas.openxmlformats.org/officeDocument/2006/relationships" xmlns:p="http://schemas.openxmlformats.org/presentationml/2006/main">
+  <p:cSld>
+    <p:spTree>
+      <p:nvGrpSpPr>
+        <p:cNvPr id="1" name=""/>
+        <p:cNvGrpSpPr/>
+        <p:nvPr/>
+      </p:nvGrpSpPr>
+      <p:grpSpPr>
+        <a:xfrm>
+          <a:off x="0" y="0"/>
+          <a:ext cx="0" cy="0"/>
+          <a:chOff x="0" y="0"/>
+          <a:chExt cx="0" cy="0"/>
+        </a:xfrm>
+      </p:grpSpPr>
+      <p:sp>
+        <p:nvSpPr>
+          <p:cNvPr id="4" name="Title 3"/>
+          <p:cNvSpPr>
+            <a:spLocks noGrp="1"/>
+          </p:cNvSpPr>
+          <p:nvPr>
+            <p:ph type="title"/>
+          </p:nvPr>
+        </p:nvSpPr>
+        <p:spPr>
+          <a:xfrm>
+            <a:off x="1022935" y="1264023"/>
+            <a:ext cx="10146186" cy="705077"/>
+          </a:xfrm>
+        </p:spPr>
+        <p:txBody>
+          <a:bodyPr/>
+          <a:lstStyle/>
+          <a:p>
+            <a:r>
+              <a:rPr lang="en-IN" b="1" dirty="0" smtClean="0"/>
+              <a:t>Chapter </a:t>
+            </a:r>
+            <a:r>
+              <a:rPr lang="en-IN" b="1" dirty="0"/>
+              <a:t>6</a:t>
+            </a:r>
+            <a:r>
+              <a:rPr lang="en-IN" b="1" dirty="0" smtClean="0"/>
+              <a:t> </a:t>
+            </a:r>
+            <a:r>
+              <a:rPr lang="en-IN" b="1" dirty="0" smtClean="0"/>
+              <a:t>: </a:t>
+            </a:r>
+            <a:r>
+              <a:rPr lang="en-IN" b="1" dirty="0" smtClean="0"/>
+              <a:t>Namespace</a:t>
+            </a:r>
+            <a:endParaRPr lang="en-IN" b="1" dirty="0"/>
+          </a:p>
+        </p:txBody>
+      </p:sp>
+      <p:sp>
+        <p:nvSpPr>
+          <p:cNvPr id="2" name="Text Placeholder 1"/>
+          <p:cNvSpPr>
+            <a:spLocks noGrp="1"/>
+          </p:cNvSpPr>
+          <p:nvPr>
+            <p:ph type="body" sz="half" idx="2"/>
+          </p:nvPr>
+        </p:nvSpPr>
+        <p:spPr>
+          <a:xfrm>
+            <a:off x="1024467" y="2155691"/>
+            <a:ext cx="10144654" cy="2093580"/>
+          </a:xfrm>
+        </p:spPr>
+        <p:txBody>
+          <a:bodyPr>
+            <a:noAutofit/>
+          </a:bodyPr>
+          <a:lstStyle/>
+          <a:p>
+            <a:pPr marL="285750" indent="-285750">
+              <a:buFont typeface="Wingdings" panose="05000000000000000000" pitchFamily="2" charset="2"/>
+              <a:buChar char="v"/>
+            </a:pPr>
+            <a:r>
+              <a:rPr lang="en-IN" sz="2000" dirty="0"/>
+              <a:t>A namespace is a way to logically group related code. </a:t>
+            </a:r>
+            <a:endParaRPr lang="en-IN" sz="2000" dirty="0" smtClean="0"/>
+          </a:p>
+          <a:p>
+            <a:pPr marL="285750" indent="-285750">
+              <a:buFont typeface="Wingdings" panose="05000000000000000000" pitchFamily="2" charset="2"/>
+              <a:buChar char="v"/>
+            </a:pPr>
+            <a:r>
+              <a:rPr lang="en-IN" sz="2000" dirty="0" smtClean="0"/>
+              <a:t>This </a:t>
+            </a:r>
+            <a:r>
+              <a:rPr lang="en-IN" sz="2000" dirty="0"/>
+              <a:t>is inbuilt into </a:t>
+            </a:r>
+            <a:r>
+              <a:rPr lang="en-IN" sz="2000" dirty="0" err="1"/>
+              <a:t>TypeScript</a:t>
+            </a:r>
+            <a:r>
+              <a:rPr lang="en-IN" sz="2000" dirty="0"/>
+              <a:t> unlike in JavaScript where variables declarations go into a global scope and if multiple JavaScript files are used within same project there will be possibility of overwriting or misconstruing the same variables, which will lead to the “</a:t>
+            </a:r>
+            <a:r>
+              <a:rPr lang="en-IN" sz="2000" b="1" dirty="0"/>
+              <a:t>global namespace pollution problem</a:t>
+            </a:r>
+            <a:r>
+              <a:rPr lang="en-IN" sz="2000" dirty="0"/>
+              <a:t>” in JavaScript</a:t>
+            </a:r>
+            <a:r>
+              <a:rPr lang="en-IN" sz="2000" dirty="0" smtClean="0"/>
+              <a:t>.</a:t>
+            </a:r>
+            <a:endParaRPr lang="en-IN" sz="2000" dirty="0"/>
+          </a:p>
+        </p:txBody>
+      </p:sp>
+      <p:sp>
+        <p:nvSpPr>
+          <p:cNvPr id="5" name="Text Placeholder 1"/>
+          <p:cNvSpPr txBox="1">
+            <a:spLocks/>
+          </p:cNvSpPr>
+          <p:nvPr/>
+        </p:nvSpPr>
+        <p:spPr>
+          <a:xfrm>
+            <a:off x="1022935" y="4249271"/>
+            <a:ext cx="10144654" cy="1259541"/>
+          </a:xfrm>
+          <a:prstGeom prst="rect">
+            <a:avLst/>
+          </a:prstGeom>
+        </p:spPr>
+        <p:txBody>
+          <a:bodyPr vert="horz" lIns="91440" tIns="45720" rIns="91440" bIns="45720" rtlCol="0" anchor="t">
+            <a:noAutofit/>
+          </a:bodyPr>
+          <a:lstStyle>
+            <a:lvl1pPr marL="0" indent="0" algn="l" defTabSz="914400" rtl="0" eaLnBrk="1" latinLnBrk="0" hangingPunct="1">
+              <a:lnSpc>
+                <a:spcPct val="90000"/>
+              </a:lnSpc>
+              <a:spcBef>
+                <a:spcPts val="1000"/>
+              </a:spcBef>
+              <a:buFont typeface="Arial" panose="020B0604020202020204" pitchFamily="34" charset="0"/>
+              <a:buNone/>
+              <a:defRPr sz="1600" kern="1200">
+                <a:solidFill>
+                  <a:schemeClr val="tx1"/>
+                </a:solidFill>
+                <a:latin typeface="+mn-lt"/>
+                <a:ea typeface="+mn-ea"/>
+                <a:cs typeface="+mn-cs"/>
+              </a:defRPr>
+            </a:lvl1pPr>
+            <a:lvl2pPr marL="457200" indent="0" algn="l" defTabSz="914400" rtl="0" eaLnBrk="1" latinLnBrk="0" hangingPunct="1">
+              <a:lnSpc>
+                <a:spcPct val="90000"/>
+              </a:lnSpc>
+              <a:spcBef>
+                <a:spcPts val="500"/>
+              </a:spcBef>
+              <a:buFont typeface="Arial" panose="020B0604020202020204" pitchFamily="34" charset="0"/>
+              <a:buNone/>
+              <a:defRPr sz="1400" kern="1200">
+                <a:solidFill>
+                  <a:schemeClr val="tx1"/>
+                </a:solidFill>
+                <a:latin typeface="+mn-lt"/>
+                <a:ea typeface="+mn-ea"/>
+                <a:cs typeface="+mn-cs"/>
+              </a:defRPr>
+            </a:lvl2pPr>
+            <a:lvl3pPr marL="914400" indent="0" algn="l" defTabSz="914400" rtl="0" eaLnBrk="1" latinLnBrk="0" hangingPunct="1">
+              <a:lnSpc>
+                <a:spcPct val="90000"/>
+              </a:lnSpc>
+              <a:spcBef>
+                <a:spcPts val="500"/>
+              </a:spcBef>
+              <a:buFont typeface="Arial" panose="020B0604020202020204" pitchFamily="34" charset="0"/>
+              <a:buNone/>
+              <a:defRPr sz="1200" kern="1200">
+                <a:solidFill>
+                  <a:schemeClr val="tx1"/>
+                </a:solidFill>
+                <a:latin typeface="+mn-lt"/>
+                <a:ea typeface="+mn-ea"/>
+                <a:cs typeface="+mn-cs"/>
+              </a:defRPr>
+            </a:lvl3pPr>
+            <a:lvl4pPr marL="1371600" indent="0" algn="l" defTabSz="914400" rtl="0" eaLnBrk="1" latinLnBrk="0" hangingPunct="1">
+              <a:lnSpc>
+                <a:spcPct val="90000"/>
+              </a:lnSpc>
+              <a:spcBef>
+                <a:spcPts val="500"/>
+              </a:spcBef>
+              <a:buFont typeface="Arial" panose="020B0604020202020204" pitchFamily="34" charset="0"/>
+              <a:buNone/>
+              <a:defRPr sz="1000" kern="1200">
+                <a:solidFill>
+                  <a:schemeClr val="tx1"/>
+                </a:solidFill>
+                <a:latin typeface="+mn-lt"/>
+                <a:ea typeface="+mn-ea"/>
+                <a:cs typeface="+mn-cs"/>
+              </a:defRPr>
+            </a:lvl4pPr>
+            <a:lvl5pPr marL="1828800" indent="0" algn="l" defTabSz="914400" rtl="0" eaLnBrk="1" latinLnBrk="0" hangingPunct="1">
+              <a:lnSpc>
+                <a:spcPct val="90000"/>
+              </a:lnSpc>
+              <a:spcBef>
+                <a:spcPts val="500"/>
+              </a:spcBef>
+              <a:buFont typeface="Arial" panose="020B0604020202020204" pitchFamily="34" charset="0"/>
+              <a:buNone/>
+              <a:defRPr sz="1000" kern="1200">
+                <a:solidFill>
+                  <a:schemeClr val="tx1"/>
+                </a:solidFill>
+                <a:latin typeface="+mn-lt"/>
+                <a:ea typeface="+mn-ea"/>
+                <a:cs typeface="+mn-cs"/>
+              </a:defRPr>
+            </a:lvl5pPr>
+            <a:lvl6pPr marL="2286000" indent="0" algn="l" defTabSz="914400" rtl="0" eaLnBrk="1" latinLnBrk="0" hangingPunct="1">
+              <a:lnSpc>
+                <a:spcPct val="90000"/>
+              </a:lnSpc>
+              <a:spcBef>
+                <a:spcPts val="500"/>
+              </a:spcBef>
+              <a:buFont typeface="Arial" panose="020B0604020202020204" pitchFamily="34" charset="0"/>
+              <a:buNone/>
+              <a:defRPr sz="1000" kern="1200">
+                <a:solidFill>
+                  <a:schemeClr val="tx1"/>
+                </a:solidFill>
+                <a:latin typeface="+mn-lt"/>
+                <a:ea typeface="+mn-ea"/>
+                <a:cs typeface="+mn-cs"/>
+              </a:defRPr>
+            </a:lvl6pPr>
+            <a:lvl7pPr marL="2743200" indent="0" algn="l" defTabSz="914400" rtl="0" eaLnBrk="1" latinLnBrk="0" hangingPunct="1">
+              <a:lnSpc>
+                <a:spcPct val="90000"/>
+              </a:lnSpc>
+              <a:spcBef>
+                <a:spcPts val="500"/>
+              </a:spcBef>
+              <a:buFont typeface="Arial" panose="020B0604020202020204" pitchFamily="34" charset="0"/>
+              <a:buNone/>
+              <a:defRPr sz="1000" kern="1200">
+                <a:solidFill>
+                  <a:schemeClr val="tx1"/>
+                </a:solidFill>
+                <a:latin typeface="+mn-lt"/>
+                <a:ea typeface="+mn-ea"/>
+                <a:cs typeface="+mn-cs"/>
+              </a:defRPr>
+            </a:lvl7pPr>
+            <a:lvl8pPr marL="3200400" indent="0" algn="l" defTabSz="914400" rtl="0" eaLnBrk="1" latinLnBrk="0" hangingPunct="1">
+              <a:lnSpc>
+                <a:spcPct val="90000"/>
+              </a:lnSpc>
+              <a:spcBef>
+                <a:spcPts val="500"/>
+              </a:spcBef>
+              <a:buFont typeface="Arial" panose="020B0604020202020204" pitchFamily="34" charset="0"/>
+              <a:buNone/>
+              <a:defRPr sz="1000" kern="1200">
+                <a:solidFill>
+                  <a:schemeClr val="tx1"/>
+                </a:solidFill>
+                <a:latin typeface="+mn-lt"/>
+                <a:ea typeface="+mn-ea"/>
+                <a:cs typeface="+mn-cs"/>
+              </a:defRPr>
+            </a:lvl8pPr>
+            <a:lvl9pPr marL="3657600" indent="0" algn="l" defTabSz="914400" rtl="0" eaLnBrk="1" latinLnBrk="0" hangingPunct="1">
+              <a:lnSpc>
+                <a:spcPct val="90000"/>
+              </a:lnSpc>
+              <a:spcBef>
+                <a:spcPts val="500"/>
+              </a:spcBef>
+              <a:buFont typeface="Arial" panose="020B0604020202020204" pitchFamily="34" charset="0"/>
+              <a:buNone/>
+              <a:defRPr sz="1000" kern="1200">
+                <a:solidFill>
+                  <a:schemeClr val="tx1"/>
+                </a:solidFill>
+                <a:latin typeface="+mn-lt"/>
+                <a:ea typeface="+mn-ea"/>
+                <a:cs typeface="+mn-cs"/>
+              </a:defRPr>
+            </a:lvl9pPr>
+          </a:lstStyle>
+          <a:p>
+            <a:r>
+              <a:rPr lang="en-IN" dirty="0" smtClean="0"/>
+              <a:t>5.1 : Object Notation</a:t>
+            </a:r>
+          </a:p>
+          <a:p>
+            <a:r>
+              <a:rPr lang="en-IN" dirty="0" smtClean="0"/>
+              <a:t>5.2 : Object as function parameter</a:t>
+            </a:r>
+          </a:p>
+          <a:p>
+            <a:r>
+              <a:rPr lang="en-IN" dirty="0" smtClean="0"/>
+              <a:t>5.3 : Anonymous Object </a:t>
+            </a:r>
+            <a:endParaRPr lang="en-IN" dirty="0"/>
+          </a:p>
+        </p:txBody>
+      </p:sp>
+    </p:spTree>
+    <p:extLst>
+      <p:ext uri="{BB962C8B-B14F-4D97-AF65-F5344CB8AC3E}">
+        <p14:creationId xmlns:p14="http://schemas.microsoft.com/office/powerpoint/2010/main" val="3730128447"/>
+      </p:ext>
+    </p:extLst>
+  </p:cSld>
+  <p:clrMapOvr>
+    <a:masterClrMapping/>
+  </p:clrMapOvr>
+  <p:timing>
+    <p:tnLst>
+      <p:par>
+        <p:cTn id="1" dur="indefinite" restart="never" nodeType="tmRoot"/>
+      </p:par>
+    </p:tnLst>
+  </p:timing>
+</p:sld>
+</file>
+
+<file path=ppt/slides/slide27.xml><?xml version="1.0" encoding="utf-8"?>
+<p:sld xmlns:a="http://schemas.openxmlformats.org/drawingml/2006/main" xmlns:r="http://schemas.openxmlformats.org/officeDocument/2006/relationships" xmlns:p="http://schemas.openxmlformats.org/presentationml/2006/main">
+  <p:cSld>
+    <p:spTree>
+      <p:nvGrpSpPr>
+        <p:cNvPr id="1" name=""/>
+        <p:cNvGrpSpPr/>
+        <p:nvPr/>
+      </p:nvGrpSpPr>
+      <p:grpSpPr>
+        <a:xfrm>
+          <a:off x="0" y="0"/>
+          <a:ext cx="0" cy="0"/>
+          <a:chOff x="0" y="0"/>
+          <a:chExt cx="0" cy="0"/>
+        </a:xfrm>
+      </p:grpSpPr>
+      <p:sp>
+        <p:nvSpPr>
+          <p:cNvPr id="2" name="Title 1"/>
+          <p:cNvSpPr>
+            <a:spLocks noGrp="1"/>
+          </p:cNvSpPr>
+          <p:nvPr>
+            <p:ph type="title"/>
+          </p:nvPr>
+        </p:nvSpPr>
+        <p:spPr/>
+        <p:txBody>
+          <a:bodyPr/>
+          <a:lstStyle/>
+          <a:p>
+            <a:r>
+              <a:rPr lang="en-IN" b="1" dirty="0" smtClean="0"/>
+              <a:t>6.1</a:t>
+            </a:r>
+            <a:r>
+              <a:rPr lang="en-IN" b="1" dirty="0" smtClean="0"/>
+              <a:t> </a:t>
+            </a:r>
+            <a:r>
+              <a:rPr lang="en-IN" b="1" dirty="0"/>
+              <a:t>Defining a </a:t>
+            </a:r>
+            <a:r>
+              <a:rPr lang="en-IN" b="1" dirty="0" smtClean="0"/>
+              <a:t>Namespace</a:t>
+            </a:r>
+            <a:endParaRPr lang="en-IN" b="1" dirty="0"/>
+          </a:p>
+        </p:txBody>
+      </p:sp>
+      <p:sp>
+        <p:nvSpPr>
+          <p:cNvPr id="5" name="Rectangle 4"/>
+          <p:cNvSpPr/>
+          <p:nvPr/>
+        </p:nvSpPr>
+        <p:spPr>
+          <a:xfrm>
+            <a:off x="3048000" y="751344"/>
+            <a:ext cx="6096000" cy="369332"/>
+          </a:xfrm>
+          <a:prstGeom prst="rect">
+            <a:avLst/>
+          </a:prstGeom>
+        </p:spPr>
+        <p:txBody>
+          <a:bodyPr>
+            <a:spAutoFit/>
+          </a:bodyPr>
+          <a:lstStyle/>
+          <a:p>
+            <a:endParaRPr lang="en-IN" b="0" dirty="0">
+              <a:solidFill>
+                <a:srgbClr val="D4D4D4"/>
+              </a:solidFill>
+              <a:effectLst/>
+              <a:latin typeface="Consolas" panose="020B0609020204030204" pitchFamily="49" charset="0"/>
+            </a:endParaRPr>
+          </a:p>
+        </p:txBody>
+      </p:sp>
+      <p:sp>
+        <p:nvSpPr>
+          <p:cNvPr id="3" name="TextBox 2"/>
+          <p:cNvSpPr txBox="1"/>
+          <p:nvPr/>
+        </p:nvSpPr>
+        <p:spPr>
+          <a:xfrm>
+            <a:off x="578224" y="1949824"/>
+            <a:ext cx="11026588" cy="646331"/>
+          </a:xfrm>
+          <a:prstGeom prst="rect">
+            <a:avLst/>
+          </a:prstGeom>
+          <a:noFill/>
+        </p:spPr>
+        <p:txBody>
+          <a:bodyPr wrap="square" rtlCol="0">
+            <a:spAutoFit/>
+          </a:bodyPr>
+          <a:lstStyle/>
+          <a:p>
+            <a:r>
+              <a:rPr lang="en-IN" dirty="0"/>
+              <a:t>A namespace definition begins with the keyword </a:t>
+            </a:r>
+            <a:r>
+              <a:rPr lang="en-IN" b="1" dirty="0"/>
+              <a:t>namespace</a:t>
+            </a:r>
+            <a:r>
+              <a:rPr lang="en-IN" dirty="0"/>
+              <a:t> followed by the namespace name as follows −</a:t>
+            </a:r>
+            <a:endParaRPr lang="en-IN" dirty="0"/>
+          </a:p>
+        </p:txBody>
+      </p:sp>
+      <p:sp>
+        <p:nvSpPr>
+          <p:cNvPr id="4" name="Rectangle 1"/>
+          <p:cNvSpPr>
+            <a:spLocks noChangeArrowheads="1"/>
+          </p:cNvSpPr>
+          <p:nvPr/>
+        </p:nvSpPr>
+        <p:spPr bwMode="auto">
+          <a:xfrm>
+            <a:off x="573742" y="2609654"/>
+            <a:ext cx="5572038" cy="1332345"/>
+          </a:xfrm>
+          <a:prstGeom prst="rect">
+            <a:avLst/>
+          </a:prstGeom>
+          <a:solidFill>
+            <a:srgbClr val="002060"/>
+          </a:solidFill>
+          <a:ln>
+            <a:noFill/>
+          </a:ln>
+          <a:effectLst/>
+        </p:spPr>
+        <p:txBody>
+          <a:bodyPr vert="horz" wrap="none" lIns="0" tIns="133308" rIns="0" bIns="88872" numCol="1" anchor="ctr" anchorCtr="0" compatLnSpc="1">
+            <a:prstTxWarp prst="textNoShape">
+              <a:avLst/>
+            </a:prstTxWarp>
+            <a:spAutoFit/>
+          </a:bodyPr>
+          <a:lstStyle/>
+          <a:p>
+            <a:r>
+              <a:rPr lang="en-IN" dirty="0">
+                <a:solidFill>
+                  <a:srgbClr val="569CD6"/>
+                </a:solidFill>
+                <a:latin typeface="Consolas" panose="020B0609020204030204" pitchFamily="49" charset="0"/>
+              </a:rPr>
+              <a:t>namespace</a:t>
+            </a:r>
+            <a:r>
+              <a:rPr lang="en-IN" dirty="0">
+                <a:solidFill>
+                  <a:srgbClr val="D4D4D4"/>
+                </a:solidFill>
+                <a:latin typeface="Consolas" panose="020B0609020204030204" pitchFamily="49" charset="0"/>
+              </a:rPr>
+              <a:t> </a:t>
+            </a:r>
+            <a:r>
+              <a:rPr lang="en-IN" dirty="0" err="1">
+                <a:solidFill>
+                  <a:srgbClr val="4EC9B0"/>
+                </a:solidFill>
+                <a:latin typeface="Consolas" panose="020B0609020204030204" pitchFamily="49" charset="0"/>
+              </a:rPr>
+              <a:t>SomeNameSpaceName</a:t>
+            </a:r>
+            <a:r>
+              <a:rPr lang="en-IN" dirty="0">
+                <a:solidFill>
+                  <a:srgbClr val="D4D4D4"/>
+                </a:solidFill>
+                <a:latin typeface="Consolas" panose="020B0609020204030204" pitchFamily="49" charset="0"/>
+              </a:rPr>
+              <a:t> { </a:t>
+            </a:r>
+          </a:p>
+          <a:p>
+            <a:r>
+              <a:rPr lang="en-IN" dirty="0">
+                <a:solidFill>
+                  <a:srgbClr val="D4D4D4"/>
+                </a:solidFill>
+                <a:latin typeface="Consolas" panose="020B0609020204030204" pitchFamily="49" charset="0"/>
+              </a:rPr>
+              <a:t>    </a:t>
+            </a:r>
+            <a:r>
+              <a:rPr lang="en-IN" dirty="0">
+                <a:solidFill>
+                  <a:srgbClr val="C586C0"/>
+                </a:solidFill>
+                <a:latin typeface="Consolas" panose="020B0609020204030204" pitchFamily="49" charset="0"/>
+              </a:rPr>
+              <a:t>export</a:t>
+            </a:r>
+            <a:r>
+              <a:rPr lang="en-IN" dirty="0">
+                <a:solidFill>
+                  <a:srgbClr val="D4D4D4"/>
+                </a:solidFill>
+                <a:latin typeface="Consolas" panose="020B0609020204030204" pitchFamily="49" charset="0"/>
+              </a:rPr>
+              <a:t> </a:t>
+            </a:r>
+            <a:r>
+              <a:rPr lang="en-IN" dirty="0">
+                <a:solidFill>
+                  <a:srgbClr val="569CD6"/>
+                </a:solidFill>
+                <a:latin typeface="Consolas" panose="020B0609020204030204" pitchFamily="49" charset="0"/>
+              </a:rPr>
+              <a:t>interface</a:t>
+            </a:r>
+            <a:r>
+              <a:rPr lang="en-IN" dirty="0">
+                <a:solidFill>
+                  <a:srgbClr val="D4D4D4"/>
+                </a:solidFill>
+                <a:latin typeface="Consolas" panose="020B0609020204030204" pitchFamily="49" charset="0"/>
+              </a:rPr>
+              <a:t> </a:t>
+            </a:r>
+            <a:r>
+              <a:rPr lang="en-IN" dirty="0" err="1">
+                <a:solidFill>
+                  <a:srgbClr val="4EC9B0"/>
+                </a:solidFill>
+                <a:latin typeface="Consolas" panose="020B0609020204030204" pitchFamily="49" charset="0"/>
+              </a:rPr>
+              <a:t>ISomeInterfaceName</a:t>
+            </a:r>
+            <a:r>
+              <a:rPr lang="en-IN" dirty="0">
+                <a:solidFill>
+                  <a:srgbClr val="D4D4D4"/>
+                </a:solidFill>
+                <a:latin typeface="Consolas" panose="020B0609020204030204" pitchFamily="49" charset="0"/>
+              </a:rPr>
+              <a:t> { } </a:t>
+            </a:r>
+          </a:p>
+          <a:p>
+            <a:r>
+              <a:rPr lang="en-IN" dirty="0">
+                <a:solidFill>
+                  <a:srgbClr val="D4D4D4"/>
+                </a:solidFill>
+                <a:latin typeface="Consolas" panose="020B0609020204030204" pitchFamily="49" charset="0"/>
+              </a:rPr>
+              <a:t>    </a:t>
+            </a:r>
+            <a:r>
+              <a:rPr lang="en-IN" dirty="0">
+                <a:solidFill>
+                  <a:srgbClr val="C586C0"/>
+                </a:solidFill>
+                <a:latin typeface="Consolas" panose="020B0609020204030204" pitchFamily="49" charset="0"/>
+              </a:rPr>
+              <a:t>export</a:t>
+            </a:r>
+            <a:r>
+              <a:rPr lang="en-IN" dirty="0">
+                <a:solidFill>
+                  <a:srgbClr val="D4D4D4"/>
+                </a:solidFill>
+                <a:latin typeface="Consolas" panose="020B0609020204030204" pitchFamily="49" charset="0"/>
+              </a:rPr>
+              <a:t> </a:t>
+            </a:r>
+            <a:r>
+              <a:rPr lang="en-IN" dirty="0">
+                <a:solidFill>
+                  <a:srgbClr val="569CD6"/>
+                </a:solidFill>
+                <a:latin typeface="Consolas" panose="020B0609020204030204" pitchFamily="49" charset="0"/>
+              </a:rPr>
+              <a:t>class</a:t>
+            </a:r>
+            <a:r>
+              <a:rPr lang="en-IN" dirty="0">
+                <a:solidFill>
+                  <a:srgbClr val="D4D4D4"/>
+                </a:solidFill>
+                <a:latin typeface="Consolas" panose="020B0609020204030204" pitchFamily="49" charset="0"/>
+              </a:rPr>
+              <a:t> </a:t>
+            </a:r>
+            <a:r>
+              <a:rPr lang="en-IN" dirty="0" err="1">
+                <a:solidFill>
+                  <a:srgbClr val="4EC9B0"/>
+                </a:solidFill>
+                <a:latin typeface="Consolas" panose="020B0609020204030204" pitchFamily="49" charset="0"/>
+              </a:rPr>
+              <a:t>SomeClassName</a:t>
+            </a:r>
+            <a:r>
+              <a:rPr lang="en-IN" dirty="0">
+                <a:solidFill>
+                  <a:srgbClr val="D4D4D4"/>
+                </a:solidFill>
+                <a:latin typeface="Consolas" panose="020B0609020204030204" pitchFamily="49" charset="0"/>
+              </a:rPr>
+              <a:t> { } </a:t>
+            </a:r>
+          </a:p>
+          <a:p>
+            <a:r>
+              <a:rPr lang="en-IN" dirty="0">
+                <a:solidFill>
+                  <a:srgbClr val="D4D4D4"/>
+                </a:solidFill>
+                <a:latin typeface="Consolas" panose="020B0609020204030204" pitchFamily="49" charset="0"/>
+              </a:rPr>
+              <a:t>}</a:t>
+            </a:r>
+            <a:endParaRPr lang="en-IN" dirty="0">
+              <a:solidFill>
+                <a:srgbClr val="D4D4D4"/>
+              </a:solidFill>
+              <a:latin typeface="Consolas" panose="020B0609020204030204" pitchFamily="49" charset="0"/>
+            </a:endParaRPr>
+          </a:p>
+        </p:txBody>
+      </p:sp>
+      <p:sp>
+        <p:nvSpPr>
+          <p:cNvPr id="10" name="TextBox 9"/>
+          <p:cNvSpPr txBox="1"/>
+          <p:nvPr/>
+        </p:nvSpPr>
+        <p:spPr>
+          <a:xfrm>
+            <a:off x="479612" y="3941999"/>
+            <a:ext cx="11026588" cy="1200329"/>
+          </a:xfrm>
+          <a:prstGeom prst="rect">
+            <a:avLst/>
+          </a:prstGeom>
+          <a:noFill/>
+        </p:spPr>
+        <p:txBody>
+          <a:bodyPr wrap="square" rtlCol="0">
+            <a:spAutoFit/>
+          </a:bodyPr>
+          <a:lstStyle/>
+          <a:p>
+            <a:r>
+              <a:rPr lang="en-IN" dirty="0"/>
+              <a:t>The classes or interfaces which should be accessed outside the namespace should be marked with keyword </a:t>
+            </a:r>
+            <a:r>
+              <a:rPr lang="en-IN" b="1" dirty="0"/>
+              <a:t>export</a:t>
+            </a:r>
+            <a:r>
+              <a:rPr lang="en-IN" dirty="0"/>
+              <a:t>.</a:t>
+            </a:r>
+          </a:p>
+          <a:p>
+            <a:r>
+              <a:rPr lang="en-IN" dirty="0"/>
+              <a:t>To access the class or interface in another namespace, the syntax will be </a:t>
+            </a:r>
+            <a:r>
+              <a:rPr lang="en-IN" dirty="0" err="1"/>
+              <a:t>namespaceName.className</a:t>
+            </a:r>
+            <a:endParaRPr lang="en-IN" dirty="0"/>
+          </a:p>
+        </p:txBody>
+      </p:sp>
+      <p:sp>
+        <p:nvSpPr>
+          <p:cNvPr id="13" name="Rectangle 12"/>
+          <p:cNvSpPr/>
+          <p:nvPr/>
+        </p:nvSpPr>
+        <p:spPr>
+          <a:xfrm>
+            <a:off x="573742" y="5142328"/>
+            <a:ext cx="4237057" cy="369332"/>
+          </a:xfrm>
+          <a:prstGeom prst="rect">
+            <a:avLst/>
+          </a:prstGeom>
+          <a:solidFill>
+            <a:srgbClr val="002060"/>
+          </a:solidFill>
+        </p:spPr>
+        <p:txBody>
+          <a:bodyPr wrap="none">
+            <a:spAutoFit/>
+          </a:bodyPr>
+          <a:lstStyle/>
+          <a:p>
+            <a:r>
+              <a:rPr lang="en-IN" dirty="0" err="1">
+                <a:solidFill>
+                  <a:srgbClr val="9CDCFE"/>
+                </a:solidFill>
+                <a:latin typeface="Consolas" panose="020B0609020204030204" pitchFamily="49" charset="0"/>
+              </a:rPr>
+              <a:t>SomeNameSpaceName</a:t>
+            </a:r>
+            <a:r>
+              <a:rPr lang="en-IN" dirty="0" err="1">
+                <a:solidFill>
+                  <a:srgbClr val="D4D4D4"/>
+                </a:solidFill>
+                <a:latin typeface="Consolas" panose="020B0609020204030204" pitchFamily="49" charset="0"/>
+              </a:rPr>
+              <a:t>.</a:t>
+            </a:r>
+            <a:r>
+              <a:rPr lang="en-IN" dirty="0" err="1">
+                <a:solidFill>
+                  <a:srgbClr val="9CDCFE"/>
+                </a:solidFill>
+                <a:latin typeface="Consolas" panose="020B0609020204030204" pitchFamily="49" charset="0"/>
+              </a:rPr>
+              <a:t>SomeClassName</a:t>
+            </a:r>
+            <a:r>
+              <a:rPr lang="en-IN" dirty="0">
+                <a:solidFill>
+                  <a:srgbClr val="D4D4D4"/>
+                </a:solidFill>
+                <a:latin typeface="Consolas" panose="020B0609020204030204" pitchFamily="49" charset="0"/>
+              </a:rPr>
+              <a:t>;</a:t>
+            </a:r>
+            <a:endParaRPr lang="en-IN" b="0" dirty="0">
+              <a:solidFill>
+                <a:srgbClr val="D4D4D4"/>
+              </a:solidFill>
+              <a:effectLst/>
+              <a:latin typeface="Consolas" panose="020B0609020204030204" pitchFamily="49" charset="0"/>
+            </a:endParaRPr>
+          </a:p>
+        </p:txBody>
+      </p:sp>
+      <p:sp>
+        <p:nvSpPr>
+          <p:cNvPr id="14" name="Rectangle 13"/>
+          <p:cNvSpPr/>
+          <p:nvPr/>
+        </p:nvSpPr>
+        <p:spPr>
+          <a:xfrm>
+            <a:off x="479612" y="5620589"/>
+            <a:ext cx="11125200" cy="646331"/>
+          </a:xfrm>
+          <a:prstGeom prst="rect">
+            <a:avLst/>
+          </a:prstGeom>
+        </p:spPr>
+        <p:txBody>
+          <a:bodyPr wrap="square">
+            <a:spAutoFit/>
+          </a:bodyPr>
+          <a:lstStyle/>
+          <a:p>
+            <a:r>
+              <a:rPr lang="en-IN" dirty="0">
+                <a:solidFill>
+                  <a:srgbClr val="000000"/>
+                </a:solidFill>
+                <a:latin typeface="+mj-lt"/>
+              </a:rPr>
+              <a:t>If the first namespace is in separate </a:t>
+            </a:r>
+            <a:r>
+              <a:rPr lang="en-IN" dirty="0" err="1">
+                <a:solidFill>
+                  <a:srgbClr val="000000"/>
+                </a:solidFill>
+                <a:latin typeface="+mj-lt"/>
+              </a:rPr>
+              <a:t>TypeScript</a:t>
+            </a:r>
+            <a:r>
+              <a:rPr lang="en-IN" dirty="0">
+                <a:solidFill>
+                  <a:srgbClr val="000000"/>
+                </a:solidFill>
+                <a:latin typeface="+mj-lt"/>
+              </a:rPr>
+              <a:t> file, then it should be referenced using triple slash reference syntax.</a:t>
+            </a:r>
+            <a:endParaRPr lang="en-IN" dirty="0">
+              <a:latin typeface="+mj-lt"/>
+            </a:endParaRPr>
+          </a:p>
+        </p:txBody>
+      </p:sp>
+      <p:sp>
+        <p:nvSpPr>
+          <p:cNvPr id="15" name="Rectangle 14"/>
+          <p:cNvSpPr/>
+          <p:nvPr/>
+        </p:nvSpPr>
+        <p:spPr>
+          <a:xfrm>
+            <a:off x="479612" y="6266920"/>
+            <a:ext cx="5700600" cy="523220"/>
+          </a:xfrm>
+          <a:prstGeom prst="rect">
+            <a:avLst/>
+          </a:prstGeom>
+          <a:solidFill>
+            <a:srgbClr val="002060"/>
+          </a:solidFill>
+        </p:spPr>
+        <p:txBody>
+          <a:bodyPr wrap="none">
+            <a:spAutoFit/>
+          </a:bodyPr>
+          <a:lstStyle/>
+          <a:p>
+            <a:r>
+              <a:rPr lang="en-US" altLang="en-US" dirty="0">
+                <a:solidFill>
+                  <a:srgbClr val="46B8A8"/>
+                </a:solidFill>
+                <a:latin typeface="Consolas" panose="020B0609020204030204" pitchFamily="49" charset="0"/>
+              </a:rPr>
+              <a:t>/// &lt;reference path = "</a:t>
+            </a:r>
+            <a:r>
+              <a:rPr lang="en-US" altLang="en-US" dirty="0" err="1">
+                <a:solidFill>
+                  <a:srgbClr val="46B8A8"/>
+                </a:solidFill>
+                <a:latin typeface="Consolas" panose="020B0609020204030204" pitchFamily="49" charset="0"/>
+              </a:rPr>
+              <a:t>SomeFileName.ts</a:t>
+            </a:r>
+            <a:r>
+              <a:rPr lang="en-US" altLang="en-US" dirty="0">
+                <a:solidFill>
+                  <a:srgbClr val="46B8A8"/>
+                </a:solidFill>
+                <a:latin typeface="Consolas" panose="020B0609020204030204" pitchFamily="49" charset="0"/>
+              </a:rPr>
+              <a:t>" /&gt;</a:t>
+            </a:r>
+            <a:r>
+              <a:rPr lang="en-US" altLang="en-US" sz="2800" dirty="0">
+                <a:solidFill>
+                  <a:srgbClr val="46B8A8"/>
+                </a:solidFill>
+                <a:latin typeface="Consolas" panose="020B0609020204030204" pitchFamily="49" charset="0"/>
+              </a:rPr>
+              <a:t> </a:t>
+            </a:r>
+            <a:endParaRPr lang="en-US" altLang="en-US" sz="4400" dirty="0">
+              <a:solidFill>
+                <a:srgbClr val="46B8A8"/>
+              </a:solidFill>
+              <a:latin typeface="Consolas" panose="020B0609020204030204" pitchFamily="49" charset="0"/>
+            </a:endParaRPr>
+          </a:p>
+        </p:txBody>
+      </p:sp>
+    </p:spTree>
+    <p:extLst>
+      <p:ext uri="{BB962C8B-B14F-4D97-AF65-F5344CB8AC3E}">
+        <p14:creationId xmlns:p14="http://schemas.microsoft.com/office/powerpoint/2010/main" val="1042669844"/>
+      </p:ext>
+    </p:extLst>
+  </p:cSld>
+  <p:clrMapOvr>
+    <a:masterClrMapping/>
+  </p:clrMapOvr>
+  <p:timing>
+    <p:tnLst>
+      <p:par>
+        <p:cTn id="1" dur="indefinite" restart="never" nodeType="tmRoot"/>
+      </p:par>
+    </p:tnLst>
+  </p:timing>
+</p:sld>
+</file>
+
+<file path=ppt/slides/slide28.xml><?xml version="1.0" encoding="utf-8"?>
+<p:sld xmlns:a="http://schemas.openxmlformats.org/drawingml/2006/main" xmlns:r="http://schemas.openxmlformats.org/officeDocument/2006/relationships" xmlns:p="http://schemas.openxmlformats.org/presentationml/2006/main">
+  <p:cSld>
+    <p:spTree>
+      <p:nvGrpSpPr>
+        <p:cNvPr id="1" name=""/>
+        <p:cNvGrpSpPr/>
+        <p:nvPr/>
+      </p:nvGrpSpPr>
+      <p:grpSpPr>
+        <a:xfrm>
+          <a:off x="0" y="0"/>
+          <a:ext cx="0" cy="0"/>
+          <a:chOff x="0" y="0"/>
+          <a:chExt cx="0" cy="0"/>
+        </a:xfrm>
+      </p:grpSpPr>
+      <p:sp>
+        <p:nvSpPr>
+          <p:cNvPr id="4" name="Title 3"/>
+          <p:cNvSpPr>
+            <a:spLocks noGrp="1"/>
+          </p:cNvSpPr>
+          <p:nvPr>
+            <p:ph type="title"/>
+          </p:nvPr>
+        </p:nvSpPr>
+        <p:spPr>
+          <a:xfrm>
+            <a:off x="1022935" y="1264023"/>
+            <a:ext cx="10146186" cy="705077"/>
+          </a:xfrm>
+        </p:spPr>
+        <p:txBody>
+          <a:bodyPr/>
+          <a:lstStyle/>
+          <a:p>
+            <a:r>
+              <a:rPr lang="en-IN" b="1" dirty="0" smtClean="0"/>
+              <a:t>Chapter </a:t>
+            </a:r>
+            <a:r>
+              <a:rPr lang="en-IN" b="1" dirty="0" smtClean="0"/>
+              <a:t>7 </a:t>
+            </a:r>
+            <a:r>
+              <a:rPr lang="en-IN" b="1" dirty="0" smtClean="0"/>
+              <a:t>: </a:t>
+            </a:r>
+            <a:r>
+              <a:rPr lang="en-IN" b="1" dirty="0" smtClean="0"/>
+              <a:t>modules</a:t>
+            </a:r>
+            <a:endParaRPr lang="en-IN" b="1" dirty="0"/>
+          </a:p>
+        </p:txBody>
+      </p:sp>
+      <p:sp>
+        <p:nvSpPr>
+          <p:cNvPr id="2" name="Text Placeholder 1"/>
+          <p:cNvSpPr>
+            <a:spLocks noGrp="1"/>
+          </p:cNvSpPr>
+          <p:nvPr>
+            <p:ph type="body" sz="half" idx="2"/>
+          </p:nvPr>
+        </p:nvSpPr>
+        <p:spPr>
+          <a:xfrm>
+            <a:off x="1024467" y="2155691"/>
+            <a:ext cx="10144654" cy="1528803"/>
+          </a:xfrm>
+        </p:spPr>
+        <p:txBody>
+          <a:bodyPr>
+            <a:noAutofit/>
+          </a:bodyPr>
+          <a:lstStyle/>
+          <a:p>
+            <a:r>
+              <a:rPr lang="en-IN" sz="2000" dirty="0"/>
+              <a:t>A module is designed with the idea to organize code written in </a:t>
+            </a:r>
+            <a:r>
+              <a:rPr lang="en-IN" sz="2000" dirty="0" err="1"/>
+              <a:t>TypeScript</a:t>
+            </a:r>
+            <a:r>
+              <a:rPr lang="en-IN" sz="2000" dirty="0"/>
+              <a:t>. Modules are broadly divided into −</a:t>
+            </a:r>
+          </a:p>
+          <a:p>
+            <a:pPr marL="631825" indent="-363538">
+              <a:buFont typeface="Wingdings" panose="05000000000000000000" pitchFamily="2" charset="2"/>
+              <a:buChar char="q"/>
+            </a:pPr>
+            <a:r>
+              <a:rPr lang="en-IN" sz="2000" dirty="0"/>
+              <a:t>Internal Modules</a:t>
+            </a:r>
+          </a:p>
+          <a:p>
+            <a:pPr marL="631825" indent="-363538">
+              <a:buFont typeface="Wingdings" panose="05000000000000000000" pitchFamily="2" charset="2"/>
+              <a:buChar char="q"/>
+            </a:pPr>
+            <a:r>
+              <a:rPr lang="en-IN" sz="2000" dirty="0"/>
+              <a:t>External Modules</a:t>
+            </a:r>
+          </a:p>
+        </p:txBody>
+      </p:sp>
+      <p:sp>
+        <p:nvSpPr>
+          <p:cNvPr id="5" name="Text Placeholder 1"/>
+          <p:cNvSpPr txBox="1">
+            <a:spLocks/>
+          </p:cNvSpPr>
+          <p:nvPr/>
+        </p:nvSpPr>
+        <p:spPr>
+          <a:xfrm>
+            <a:off x="1022934" y="3806090"/>
+            <a:ext cx="10528089" cy="2850203"/>
+          </a:xfrm>
+          <a:prstGeom prst="rect">
+            <a:avLst/>
+          </a:prstGeom>
+        </p:spPr>
+        <p:txBody>
+          <a:bodyPr vert="horz" lIns="91440" tIns="45720" rIns="91440" bIns="45720" numCol="2" rtlCol="0" anchor="t">
+            <a:noAutofit/>
+          </a:bodyPr>
+          <a:lstStyle>
+            <a:lvl1pPr marL="0" indent="0" algn="l" defTabSz="914400" rtl="0" eaLnBrk="1" latinLnBrk="0" hangingPunct="1">
+              <a:lnSpc>
+                <a:spcPct val="90000"/>
+              </a:lnSpc>
+              <a:spcBef>
+                <a:spcPts val="1000"/>
+              </a:spcBef>
+              <a:buFont typeface="Arial" panose="020B0604020202020204" pitchFamily="34" charset="0"/>
+              <a:buNone/>
+              <a:defRPr sz="1600" kern="1200">
+                <a:solidFill>
+                  <a:schemeClr val="tx1"/>
+                </a:solidFill>
+                <a:latin typeface="+mn-lt"/>
+                <a:ea typeface="+mn-ea"/>
+                <a:cs typeface="+mn-cs"/>
+              </a:defRPr>
+            </a:lvl1pPr>
+            <a:lvl2pPr marL="457200" indent="0" algn="l" defTabSz="914400" rtl="0" eaLnBrk="1" latinLnBrk="0" hangingPunct="1">
+              <a:lnSpc>
+                <a:spcPct val="90000"/>
+              </a:lnSpc>
+              <a:spcBef>
+                <a:spcPts val="500"/>
+              </a:spcBef>
+              <a:buFont typeface="Arial" panose="020B0604020202020204" pitchFamily="34" charset="0"/>
+              <a:buNone/>
+              <a:defRPr sz="1400" kern="1200">
+                <a:solidFill>
+                  <a:schemeClr val="tx1"/>
+                </a:solidFill>
+                <a:latin typeface="+mn-lt"/>
+                <a:ea typeface="+mn-ea"/>
+                <a:cs typeface="+mn-cs"/>
+              </a:defRPr>
+            </a:lvl2pPr>
+            <a:lvl3pPr marL="914400" indent="0" algn="l" defTabSz="914400" rtl="0" eaLnBrk="1" latinLnBrk="0" hangingPunct="1">
+              <a:lnSpc>
+                <a:spcPct val="90000"/>
+              </a:lnSpc>
+              <a:spcBef>
+                <a:spcPts val="500"/>
+              </a:spcBef>
+              <a:buFont typeface="Arial" panose="020B0604020202020204" pitchFamily="34" charset="0"/>
+              <a:buNone/>
+              <a:defRPr sz="1200" kern="1200">
+                <a:solidFill>
+                  <a:schemeClr val="tx1"/>
+                </a:solidFill>
+                <a:latin typeface="+mn-lt"/>
+                <a:ea typeface="+mn-ea"/>
+                <a:cs typeface="+mn-cs"/>
+              </a:defRPr>
+            </a:lvl3pPr>
+            <a:lvl4pPr marL="1371600" indent="0" algn="l" defTabSz="914400" rtl="0" eaLnBrk="1" latinLnBrk="0" hangingPunct="1">
+              <a:lnSpc>
+                <a:spcPct val="90000"/>
+              </a:lnSpc>
+              <a:spcBef>
+                <a:spcPts val="500"/>
+              </a:spcBef>
+              <a:buFont typeface="Arial" panose="020B0604020202020204" pitchFamily="34" charset="0"/>
+              <a:buNone/>
+              <a:defRPr sz="1000" kern="1200">
+                <a:solidFill>
+                  <a:schemeClr val="tx1"/>
+                </a:solidFill>
+                <a:latin typeface="+mn-lt"/>
+                <a:ea typeface="+mn-ea"/>
+                <a:cs typeface="+mn-cs"/>
+              </a:defRPr>
+            </a:lvl4pPr>
+            <a:lvl5pPr marL="1828800" indent="0" algn="l" defTabSz="914400" rtl="0" eaLnBrk="1" latinLnBrk="0" hangingPunct="1">
+              <a:lnSpc>
+                <a:spcPct val="90000"/>
+              </a:lnSpc>
+              <a:spcBef>
+                <a:spcPts val="500"/>
+              </a:spcBef>
+              <a:buFont typeface="Arial" panose="020B0604020202020204" pitchFamily="34" charset="0"/>
+              <a:buNone/>
+              <a:defRPr sz="1000" kern="1200">
+                <a:solidFill>
+                  <a:schemeClr val="tx1"/>
+                </a:solidFill>
+                <a:latin typeface="+mn-lt"/>
+                <a:ea typeface="+mn-ea"/>
+                <a:cs typeface="+mn-cs"/>
+              </a:defRPr>
+            </a:lvl5pPr>
+            <a:lvl6pPr marL="2286000" indent="0" algn="l" defTabSz="914400" rtl="0" eaLnBrk="1" latinLnBrk="0" hangingPunct="1">
+              <a:lnSpc>
+                <a:spcPct val="90000"/>
+              </a:lnSpc>
+              <a:spcBef>
+                <a:spcPts val="500"/>
+              </a:spcBef>
+              <a:buFont typeface="Arial" panose="020B0604020202020204" pitchFamily="34" charset="0"/>
+              <a:buNone/>
+              <a:defRPr sz="1000" kern="1200">
+                <a:solidFill>
+                  <a:schemeClr val="tx1"/>
+                </a:solidFill>
+                <a:latin typeface="+mn-lt"/>
+                <a:ea typeface="+mn-ea"/>
+                <a:cs typeface="+mn-cs"/>
+              </a:defRPr>
+            </a:lvl6pPr>
+            <a:lvl7pPr marL="2743200" indent="0" algn="l" defTabSz="914400" rtl="0" eaLnBrk="1" latinLnBrk="0" hangingPunct="1">
+              <a:lnSpc>
+                <a:spcPct val="90000"/>
+              </a:lnSpc>
+              <a:spcBef>
+                <a:spcPts val="500"/>
+              </a:spcBef>
+              <a:buFont typeface="Arial" panose="020B0604020202020204" pitchFamily="34" charset="0"/>
+              <a:buNone/>
+              <a:defRPr sz="1000" kern="1200">
+                <a:solidFill>
+                  <a:schemeClr val="tx1"/>
+                </a:solidFill>
+                <a:latin typeface="+mn-lt"/>
+                <a:ea typeface="+mn-ea"/>
+                <a:cs typeface="+mn-cs"/>
+              </a:defRPr>
+            </a:lvl7pPr>
+            <a:lvl8pPr marL="3200400" indent="0" algn="l" defTabSz="914400" rtl="0" eaLnBrk="1" latinLnBrk="0" hangingPunct="1">
+              <a:lnSpc>
+                <a:spcPct val="90000"/>
+              </a:lnSpc>
+              <a:spcBef>
+                <a:spcPts val="500"/>
+              </a:spcBef>
+              <a:buFont typeface="Arial" panose="020B0604020202020204" pitchFamily="34" charset="0"/>
+              <a:buNone/>
+              <a:defRPr sz="1000" kern="1200">
+                <a:solidFill>
+                  <a:schemeClr val="tx1"/>
+                </a:solidFill>
+                <a:latin typeface="+mn-lt"/>
+                <a:ea typeface="+mn-ea"/>
+                <a:cs typeface="+mn-cs"/>
+              </a:defRPr>
+            </a:lvl8pPr>
+            <a:lvl9pPr marL="3657600" indent="0" algn="l" defTabSz="914400" rtl="0" eaLnBrk="1" latinLnBrk="0" hangingPunct="1">
+              <a:lnSpc>
+                <a:spcPct val="90000"/>
+              </a:lnSpc>
+              <a:spcBef>
+                <a:spcPts val="500"/>
+              </a:spcBef>
+              <a:buFont typeface="Arial" panose="020B0604020202020204" pitchFamily="34" charset="0"/>
+              <a:buNone/>
+              <a:defRPr sz="1000" kern="1200">
+                <a:solidFill>
+                  <a:schemeClr val="tx1"/>
+                </a:solidFill>
+                <a:latin typeface="+mn-lt"/>
+                <a:ea typeface="+mn-ea"/>
+                <a:cs typeface="+mn-cs"/>
+              </a:defRPr>
+            </a:lvl9pPr>
+          </a:lstStyle>
+          <a:p>
+            <a:pPr marL="342900" indent="-342900">
+              <a:buFont typeface="Wingdings" panose="05000000000000000000" pitchFamily="2" charset="2"/>
+              <a:buChar char="Ø"/>
+            </a:pPr>
+            <a:r>
+              <a:rPr lang="en-IN" sz="2000" dirty="0">
+                <a:solidFill>
+                  <a:srgbClr val="00B0F0"/>
+                </a:solidFill>
+              </a:rPr>
+              <a:t>Internal modules came in earlier version of Typescript. </a:t>
+            </a:r>
+            <a:endParaRPr lang="en-IN" sz="2000" dirty="0" smtClean="0">
+              <a:solidFill>
+                <a:srgbClr val="00B0F0"/>
+              </a:solidFill>
+            </a:endParaRPr>
+          </a:p>
+          <a:p>
+            <a:pPr marL="342900" indent="-342900">
+              <a:buFont typeface="Wingdings" panose="05000000000000000000" pitchFamily="2" charset="2"/>
+              <a:buChar char="Ø"/>
+            </a:pPr>
+            <a:r>
+              <a:rPr lang="en-IN" sz="2000" dirty="0" smtClean="0">
+                <a:solidFill>
+                  <a:srgbClr val="00B0F0"/>
+                </a:solidFill>
+              </a:rPr>
+              <a:t>This </a:t>
+            </a:r>
+            <a:r>
+              <a:rPr lang="en-IN" sz="2000" dirty="0">
+                <a:solidFill>
+                  <a:srgbClr val="00B0F0"/>
+                </a:solidFill>
+              </a:rPr>
+              <a:t>was used to logically group classes, interfaces, functions into one unit and can be exported in another module. </a:t>
+            </a:r>
+            <a:endParaRPr lang="en-IN" sz="2000" dirty="0" smtClean="0">
+              <a:solidFill>
+                <a:srgbClr val="00B0F0"/>
+              </a:solidFill>
+            </a:endParaRPr>
+          </a:p>
+          <a:p>
+            <a:pPr marL="342900" indent="-342900">
+              <a:buFont typeface="Wingdings" panose="05000000000000000000" pitchFamily="2" charset="2"/>
+              <a:buChar char="Ø"/>
+            </a:pPr>
+            <a:r>
+              <a:rPr lang="en-IN" sz="2000" dirty="0" smtClean="0">
+                <a:solidFill>
+                  <a:srgbClr val="00B0F0"/>
+                </a:solidFill>
+              </a:rPr>
+              <a:t>This </a:t>
+            </a:r>
+            <a:r>
+              <a:rPr lang="en-IN" sz="2000" dirty="0">
+                <a:solidFill>
+                  <a:srgbClr val="00B0F0"/>
+                </a:solidFill>
+              </a:rPr>
+              <a:t>logical grouping is named namespace in latest version of </a:t>
+            </a:r>
+            <a:r>
+              <a:rPr lang="en-IN" sz="2000" dirty="0" err="1">
+                <a:solidFill>
+                  <a:srgbClr val="00B0F0"/>
+                </a:solidFill>
+              </a:rPr>
+              <a:t>TypeScript</a:t>
+            </a:r>
+            <a:r>
+              <a:rPr lang="en-IN" sz="2000" dirty="0">
+                <a:solidFill>
+                  <a:srgbClr val="00B0F0"/>
+                </a:solidFill>
+              </a:rPr>
+              <a:t>. </a:t>
+            </a:r>
+            <a:endParaRPr lang="en-IN" sz="2000" dirty="0" smtClean="0">
+              <a:solidFill>
+                <a:srgbClr val="00B0F0"/>
+              </a:solidFill>
+            </a:endParaRPr>
+          </a:p>
+          <a:p>
+            <a:pPr marL="342900" indent="-342900">
+              <a:buFont typeface="Wingdings" panose="05000000000000000000" pitchFamily="2" charset="2"/>
+              <a:buChar char="Ø"/>
+            </a:pPr>
+            <a:r>
+              <a:rPr lang="en-IN" sz="2000" dirty="0" smtClean="0">
+                <a:solidFill>
+                  <a:srgbClr val="00B0F0"/>
+                </a:solidFill>
+              </a:rPr>
+              <a:t>So </a:t>
+            </a:r>
+            <a:r>
+              <a:rPr lang="en-IN" sz="2000" dirty="0">
+                <a:solidFill>
+                  <a:srgbClr val="00B0F0"/>
+                </a:solidFill>
+              </a:rPr>
+              <a:t>internal modules are obsolete instead we can use namespace. </a:t>
+            </a:r>
+            <a:endParaRPr lang="en-IN" sz="2000" dirty="0" smtClean="0">
+              <a:solidFill>
+                <a:srgbClr val="00B0F0"/>
+              </a:solidFill>
+            </a:endParaRPr>
+          </a:p>
+          <a:p>
+            <a:pPr marL="342900" indent="-342900">
+              <a:buFont typeface="Wingdings" panose="05000000000000000000" pitchFamily="2" charset="2"/>
+              <a:buChar char="Ø"/>
+            </a:pPr>
+            <a:r>
+              <a:rPr lang="en-IN" sz="2000" dirty="0" smtClean="0">
+                <a:solidFill>
+                  <a:srgbClr val="00B0F0"/>
+                </a:solidFill>
+              </a:rPr>
+              <a:t>Internal </a:t>
+            </a:r>
+            <a:r>
+              <a:rPr lang="en-IN" sz="2000" dirty="0">
+                <a:solidFill>
+                  <a:srgbClr val="00B0F0"/>
+                </a:solidFill>
+              </a:rPr>
+              <a:t>modules are still supported, but its recommended to use namespace over internal modules.</a:t>
+            </a:r>
+            <a:endParaRPr lang="en-IN" sz="2000" dirty="0">
+              <a:solidFill>
+                <a:srgbClr val="00B0F0"/>
+              </a:solidFill>
+            </a:endParaRPr>
+          </a:p>
+        </p:txBody>
+      </p:sp>
+    </p:spTree>
+    <p:extLst>
+      <p:ext uri="{BB962C8B-B14F-4D97-AF65-F5344CB8AC3E}">
+        <p14:creationId xmlns:p14="http://schemas.microsoft.com/office/powerpoint/2010/main" val="4231340436"/>
+      </p:ext>
+    </p:extLst>
+  </p:cSld>
+  <p:clrMapOvr>
+    <a:masterClrMapping/>
+  </p:clrMapOvr>
+  <p:timing>
+    <p:tnLst>
+      <p:par>
+        <p:cTn id="1" dur="indefinite" restart="never" nodeType="tmRoot"/>
+      </p:par>
+    </p:tnLst>
+  </p:timing>
+</p:sld>
+</file>
+
+<file path=ppt/slides/slide29.xml><?xml version="1.0" encoding="utf-8"?>
+<p:sld xmlns:a="http://schemas.openxmlformats.org/drawingml/2006/main" xmlns:r="http://schemas.openxmlformats.org/officeDocument/2006/relationships" xmlns:p="http://schemas.openxmlformats.org/presentationml/2006/main">
+  <p:cSld>
+    <p:spTree>
+      <p:nvGrpSpPr>
+        <p:cNvPr id="1" name=""/>
+        <p:cNvGrpSpPr/>
+        <p:nvPr/>
+      </p:nvGrpSpPr>
+      <p:grpSpPr>
+        <a:xfrm>
+          <a:off x="0" y="0"/>
+          <a:ext cx="0" cy="0"/>
+          <a:chOff x="0" y="0"/>
+          <a:chExt cx="0" cy="0"/>
+        </a:xfrm>
+      </p:grpSpPr>
+      <p:sp>
+        <p:nvSpPr>
+          <p:cNvPr id="2" name="Title 1"/>
+          <p:cNvSpPr>
+            <a:spLocks noGrp="1"/>
+          </p:cNvSpPr>
+          <p:nvPr>
+            <p:ph type="title"/>
+          </p:nvPr>
+        </p:nvSpPr>
+        <p:spPr/>
+        <p:txBody>
+          <a:bodyPr/>
+          <a:lstStyle/>
+          <a:p>
+            <a:r>
+              <a:rPr lang="en-IN" b="1" dirty="0" smtClean="0"/>
+              <a:t>7.1</a:t>
+            </a:r>
+            <a:r>
+              <a:rPr lang="en-IN" b="1" dirty="0" smtClean="0"/>
+              <a:t> </a:t>
+            </a:r>
+            <a:r>
+              <a:rPr lang="en-IN" b="1" dirty="0" smtClean="0"/>
+              <a:t>External module</a:t>
+            </a:r>
+            <a:endParaRPr lang="en-IN" b="1" dirty="0"/>
+          </a:p>
+        </p:txBody>
+      </p:sp>
+      <p:sp>
+        <p:nvSpPr>
+          <p:cNvPr id="5" name="Rectangle 4"/>
+          <p:cNvSpPr/>
+          <p:nvPr/>
+        </p:nvSpPr>
+        <p:spPr>
+          <a:xfrm>
+            <a:off x="3048000" y="751344"/>
+            <a:ext cx="6096000" cy="369332"/>
+          </a:xfrm>
+          <a:prstGeom prst="rect">
+            <a:avLst/>
+          </a:prstGeom>
+        </p:spPr>
+        <p:txBody>
+          <a:bodyPr>
+            <a:spAutoFit/>
+          </a:bodyPr>
+          <a:lstStyle/>
+          <a:p>
+            <a:endParaRPr lang="en-IN" b="0" dirty="0">
+              <a:solidFill>
+                <a:srgbClr val="D4D4D4"/>
+              </a:solidFill>
+              <a:effectLst/>
+              <a:latin typeface="Consolas" panose="020B0609020204030204" pitchFamily="49" charset="0"/>
+            </a:endParaRPr>
+          </a:p>
+        </p:txBody>
+      </p:sp>
+      <p:sp>
+        <p:nvSpPr>
+          <p:cNvPr id="3" name="TextBox 2"/>
+          <p:cNvSpPr txBox="1"/>
+          <p:nvPr/>
+        </p:nvSpPr>
+        <p:spPr>
+          <a:xfrm>
+            <a:off x="578224" y="1949824"/>
+            <a:ext cx="11026588" cy="3416320"/>
+          </a:xfrm>
+          <a:prstGeom prst="rect">
+            <a:avLst/>
+          </a:prstGeom>
+          <a:noFill/>
+        </p:spPr>
+        <p:txBody>
+          <a:bodyPr wrap="square" rtlCol="0">
+            <a:spAutoFit/>
+          </a:bodyPr>
+          <a:lstStyle/>
+          <a:p>
+            <a:pPr marL="285750" indent="-285750">
+              <a:buFont typeface="Wingdings" panose="05000000000000000000" pitchFamily="2" charset="2"/>
+              <a:buChar char="§"/>
+            </a:pPr>
+            <a:r>
+              <a:rPr lang="en-IN" dirty="0"/>
+              <a:t>External modules in </a:t>
+            </a:r>
+            <a:r>
+              <a:rPr lang="en-IN" dirty="0" err="1"/>
+              <a:t>TypeScript</a:t>
+            </a:r>
+            <a:r>
+              <a:rPr lang="en-IN" dirty="0"/>
+              <a:t> exists to specify and load dependencies between multiple external </a:t>
+            </a:r>
+            <a:r>
+              <a:rPr lang="en-IN" b="1" dirty="0" err="1"/>
+              <a:t>js</a:t>
+            </a:r>
+            <a:r>
+              <a:rPr lang="en-IN" dirty="0"/>
+              <a:t> files. </a:t>
+            </a:r>
+            <a:endParaRPr lang="en-IN" dirty="0" smtClean="0"/>
+          </a:p>
+          <a:p>
+            <a:pPr marL="285750" indent="-285750">
+              <a:buFont typeface="Wingdings" panose="05000000000000000000" pitchFamily="2" charset="2"/>
+              <a:buChar char="§"/>
+            </a:pPr>
+            <a:r>
+              <a:rPr lang="en-IN" dirty="0" smtClean="0"/>
+              <a:t>If </a:t>
+            </a:r>
+            <a:r>
+              <a:rPr lang="en-IN" dirty="0"/>
+              <a:t>there is only one </a:t>
+            </a:r>
+            <a:r>
+              <a:rPr lang="en-IN" b="1" dirty="0" err="1"/>
+              <a:t>js</a:t>
+            </a:r>
+            <a:r>
+              <a:rPr lang="en-IN" dirty="0"/>
+              <a:t> file used, then external modules are not relevant. Traditionally dependency management between JavaScript files was done using browser script tags (&lt;script&gt;&lt;/script&gt;). </a:t>
+            </a:r>
+            <a:r>
+              <a:rPr lang="en-IN" dirty="0" smtClean="0"/>
+              <a:t>But </a:t>
+            </a:r>
+            <a:r>
+              <a:rPr lang="en-IN" dirty="0"/>
+              <a:t>that’s not extendable, as its very linear while loading modules. </a:t>
+            </a:r>
+            <a:endParaRPr lang="en-IN" dirty="0" smtClean="0"/>
+          </a:p>
+          <a:p>
+            <a:pPr marL="285750" indent="-285750">
+              <a:buFont typeface="Wingdings" panose="05000000000000000000" pitchFamily="2" charset="2"/>
+              <a:buChar char="§"/>
+            </a:pPr>
+            <a:r>
+              <a:rPr lang="en-IN" dirty="0" smtClean="0"/>
+              <a:t>That </a:t>
+            </a:r>
+            <a:r>
+              <a:rPr lang="en-IN" dirty="0"/>
+              <a:t>means instead of loading files one after other there is no asynchronous option to load modules. </a:t>
+            </a:r>
+            <a:endParaRPr lang="en-IN" dirty="0" smtClean="0"/>
+          </a:p>
+          <a:p>
+            <a:pPr marL="285750" indent="-285750">
+              <a:buFont typeface="Wingdings" panose="05000000000000000000" pitchFamily="2" charset="2"/>
+              <a:buChar char="§"/>
+            </a:pPr>
+            <a:r>
+              <a:rPr lang="en-IN" dirty="0" smtClean="0"/>
+              <a:t>When </a:t>
+            </a:r>
+            <a:r>
+              <a:rPr lang="en-IN" dirty="0"/>
+              <a:t>you are programming </a:t>
+            </a:r>
+            <a:r>
+              <a:rPr lang="en-IN" dirty="0" err="1"/>
+              <a:t>js</a:t>
+            </a:r>
+            <a:r>
+              <a:rPr lang="en-IN" dirty="0"/>
+              <a:t> for the server for example </a:t>
+            </a:r>
+            <a:r>
+              <a:rPr lang="en-IN" dirty="0" err="1"/>
+              <a:t>NodeJs</a:t>
+            </a:r>
+            <a:r>
+              <a:rPr lang="en-IN" dirty="0"/>
+              <a:t> you don’t even have script tags.</a:t>
+            </a:r>
+          </a:p>
+          <a:p>
+            <a:pPr marL="285750" indent="-285750">
+              <a:buFont typeface="Wingdings" panose="05000000000000000000" pitchFamily="2" charset="2"/>
+              <a:buChar char="§"/>
+            </a:pPr>
+            <a:r>
+              <a:rPr lang="en-IN" dirty="0"/>
+              <a:t>There are two scenarios for loading dependents </a:t>
+            </a:r>
+            <a:r>
+              <a:rPr lang="en-IN" b="1" dirty="0" err="1"/>
+              <a:t>js</a:t>
+            </a:r>
+            <a:r>
+              <a:rPr lang="en-IN" dirty="0"/>
+              <a:t> files from a single main JavaScript file.</a:t>
+            </a:r>
+          </a:p>
+          <a:p>
+            <a:pPr marL="268288" lvl="1"/>
+            <a:r>
+              <a:rPr lang="en-IN" dirty="0"/>
+              <a:t>Client Side - </a:t>
+            </a:r>
+            <a:r>
+              <a:rPr lang="en-IN" dirty="0" err="1"/>
+              <a:t>RequireJs</a:t>
+            </a:r>
+            <a:endParaRPr lang="en-IN" dirty="0"/>
+          </a:p>
+          <a:p>
+            <a:pPr marL="268288" lvl="1"/>
+            <a:r>
+              <a:rPr lang="en-IN" dirty="0"/>
+              <a:t>Server Side - </a:t>
+            </a:r>
+            <a:r>
+              <a:rPr lang="en-IN" dirty="0" err="1"/>
+              <a:t>NodeJs</a:t>
+            </a:r>
+            <a:endParaRPr lang="en-IN" dirty="0"/>
+          </a:p>
+        </p:txBody>
+      </p:sp>
+    </p:spTree>
+    <p:extLst>
+      <p:ext uri="{BB962C8B-B14F-4D97-AF65-F5344CB8AC3E}">
+        <p14:creationId xmlns:p14="http://schemas.microsoft.com/office/powerpoint/2010/main" val="4047840323"/>
       </p:ext>
     </p:extLst>
   </p:cSld>
